--- a/changwon/2022-2/WebPrograming/발표자료/(Web)20229350 강부식.pptx
+++ b/changwon/2022-2/WebPrograming/발표자료/(Web)20229350 강부식.pptx
@@ -12,9 +12,9 @@
     <p:sldId id="296" r:id="rId6"/>
     <p:sldId id="303" r:id="rId7"/>
     <p:sldId id="304" r:id="rId8"/>
-    <p:sldId id="305" r:id="rId9"/>
+    <p:sldId id="348" r:id="rId9"/>
     <p:sldId id="306" r:id="rId10"/>
-    <p:sldId id="307" r:id="rId11"/>
+    <p:sldId id="349" r:id="rId11"/>
   </p:sldIdLst>
   <p:sldSz cx="12192000" cy="6858000"/>
   <p:notesSz cx="6858000" cy="9144000"/>
@@ -115,7 +115,7 @@
   </p:defaultTextStyle>
   <p:extLst>
     <p:ext uri="{EFAFB233-063F-42B5-8137-9DF3F51BA10A}">
-      <p15:sldGuideLst xmlns:p15="http://schemas.microsoft.com/office/powerpoint/2012/main" xmlns="">
+      <p15:sldGuideLst xmlns:p15="http://schemas.microsoft.com/office/powerpoint/2012/main">
         <p15:guide id="1" orient="horz" pos="2183" userDrawn="1">
           <p15:clr>
             <a:srgbClr val="A4A3A4"/>
@@ -154,7 +154,7 @@
           <p:cNvPr id="5" name="TextBox 4">
             <a:extLst>
               <a:ext uri="{FF2B5EF4-FFF2-40B4-BE49-F238E27FC236}">
-                <a16:creationId xmlns:a16="http://schemas.microsoft.com/office/drawing/2014/main" xmlns="" id="{CCD90640-7EB0-BE1D-FA8A-7A3A60D87864}"/>
+                <a16:creationId xmlns:a16="http://schemas.microsoft.com/office/drawing/2014/main" id="{CCD90640-7EB0-BE1D-FA8A-7A3A60D87864}"/>
               </a:ext>
             </a:extLst>
           </p:cNvPr>
@@ -261,7 +261,7 @@
           <p:cNvPr id="2" name="날짜 개체 틀 1">
             <a:extLst>
               <a:ext uri="{FF2B5EF4-FFF2-40B4-BE49-F238E27FC236}">
-                <a16:creationId xmlns:a16="http://schemas.microsoft.com/office/drawing/2014/main" xmlns="" id="{FC0A8D6C-2166-C593-56DA-F8BC31AF5076}"/>
+                <a16:creationId xmlns:a16="http://schemas.microsoft.com/office/drawing/2014/main" id="{FC0A8D6C-2166-C593-56DA-F8BC31AF5076}"/>
               </a:ext>
             </a:extLst>
           </p:cNvPr>
@@ -290,7 +290,7 @@
           <p:cNvPr id="3" name="바닥글 개체 틀 2">
             <a:extLst>
               <a:ext uri="{FF2B5EF4-FFF2-40B4-BE49-F238E27FC236}">
-                <a16:creationId xmlns:a16="http://schemas.microsoft.com/office/drawing/2014/main" xmlns="" id="{DC3355A0-B053-055C-A48D-03DCA4984DD3}"/>
+                <a16:creationId xmlns:a16="http://schemas.microsoft.com/office/drawing/2014/main" id="{DC3355A0-B053-055C-A48D-03DCA4984DD3}"/>
               </a:ext>
             </a:extLst>
           </p:cNvPr>
@@ -315,7 +315,7 @@
           <p:cNvPr id="4" name="슬라이드 번호 개체 틀 3">
             <a:extLst>
               <a:ext uri="{FF2B5EF4-FFF2-40B4-BE49-F238E27FC236}">
-                <a16:creationId xmlns:a16="http://schemas.microsoft.com/office/drawing/2014/main" xmlns="" id="{F8A9E0C0-C208-C880-12BC-22614B99B3AA}"/>
+                <a16:creationId xmlns:a16="http://schemas.microsoft.com/office/drawing/2014/main" id="{F8A9E0C0-C208-C880-12BC-22614B99B3AA}"/>
               </a:ext>
             </a:extLst>
           </p:cNvPr>
@@ -374,7 +374,7 @@
           <p:cNvPr id="5" name="TextBox 4">
             <a:extLst>
               <a:ext uri="{FF2B5EF4-FFF2-40B4-BE49-F238E27FC236}">
-                <a16:creationId xmlns:a16="http://schemas.microsoft.com/office/drawing/2014/main" xmlns="" id="{CCD90640-7EB0-BE1D-FA8A-7A3A60D87864}"/>
+                <a16:creationId xmlns:a16="http://schemas.microsoft.com/office/drawing/2014/main" id="{CCD90640-7EB0-BE1D-FA8A-7A3A60D87864}"/>
               </a:ext>
             </a:extLst>
           </p:cNvPr>
@@ -463,7 +463,7 @@
           <p:cNvPr id="2" name="날짜 개체 틀 1">
             <a:extLst>
               <a:ext uri="{FF2B5EF4-FFF2-40B4-BE49-F238E27FC236}">
-                <a16:creationId xmlns:a16="http://schemas.microsoft.com/office/drawing/2014/main" xmlns="" id="{FC0A8D6C-2166-C593-56DA-F8BC31AF5076}"/>
+                <a16:creationId xmlns:a16="http://schemas.microsoft.com/office/drawing/2014/main" id="{FC0A8D6C-2166-C593-56DA-F8BC31AF5076}"/>
               </a:ext>
             </a:extLst>
           </p:cNvPr>
@@ -492,7 +492,7 @@
           <p:cNvPr id="3" name="바닥글 개체 틀 2">
             <a:extLst>
               <a:ext uri="{FF2B5EF4-FFF2-40B4-BE49-F238E27FC236}">
-                <a16:creationId xmlns:a16="http://schemas.microsoft.com/office/drawing/2014/main" xmlns="" id="{DC3355A0-B053-055C-A48D-03DCA4984DD3}"/>
+                <a16:creationId xmlns:a16="http://schemas.microsoft.com/office/drawing/2014/main" id="{DC3355A0-B053-055C-A48D-03DCA4984DD3}"/>
               </a:ext>
             </a:extLst>
           </p:cNvPr>
@@ -517,7 +517,7 @@
           <p:cNvPr id="4" name="슬라이드 번호 개체 틀 3">
             <a:extLst>
               <a:ext uri="{FF2B5EF4-FFF2-40B4-BE49-F238E27FC236}">
-                <a16:creationId xmlns:a16="http://schemas.microsoft.com/office/drawing/2014/main" xmlns="" id="{F8A9E0C0-C208-C880-12BC-22614B99B3AA}"/>
+                <a16:creationId xmlns:a16="http://schemas.microsoft.com/office/drawing/2014/main" id="{F8A9E0C0-C208-C880-12BC-22614B99B3AA}"/>
               </a:ext>
             </a:extLst>
           </p:cNvPr>
@@ -581,7 +581,7 @@
           <p:cNvPr id="2" name="제목 개체 틀 1">
             <a:extLst>
               <a:ext uri="{FF2B5EF4-FFF2-40B4-BE49-F238E27FC236}">
-                <a16:creationId xmlns:a16="http://schemas.microsoft.com/office/drawing/2014/main" xmlns="" id="{FD2A1902-5E0F-4C85-6B9B-CFB8C95C20EE}"/>
+                <a16:creationId xmlns:a16="http://schemas.microsoft.com/office/drawing/2014/main" id="{FD2A1902-5E0F-4C85-6B9B-CFB8C95C20EE}"/>
               </a:ext>
             </a:extLst>
           </p:cNvPr>
@@ -619,7 +619,7 @@
           <p:cNvPr id="3" name="텍스트 개체 틀 2">
             <a:extLst>
               <a:ext uri="{FF2B5EF4-FFF2-40B4-BE49-F238E27FC236}">
-                <a16:creationId xmlns:a16="http://schemas.microsoft.com/office/drawing/2014/main" xmlns="" id="{56124FC5-232C-D503-51B2-2388BA704021}"/>
+                <a16:creationId xmlns:a16="http://schemas.microsoft.com/office/drawing/2014/main" id="{56124FC5-232C-D503-51B2-2388BA704021}"/>
               </a:ext>
             </a:extLst>
           </p:cNvPr>
@@ -686,7 +686,7 @@
           <p:cNvPr id="4" name="날짜 개체 틀 3">
             <a:extLst>
               <a:ext uri="{FF2B5EF4-FFF2-40B4-BE49-F238E27FC236}">
-                <a16:creationId xmlns:a16="http://schemas.microsoft.com/office/drawing/2014/main" xmlns="" id="{ADD67C67-55AD-BA6E-8404-A37284FE8472}"/>
+                <a16:creationId xmlns:a16="http://schemas.microsoft.com/office/drawing/2014/main" id="{ADD67C67-55AD-BA6E-8404-A37284FE8472}"/>
               </a:ext>
             </a:extLst>
           </p:cNvPr>
@@ -733,7 +733,7 @@
           <p:cNvPr id="5" name="바닥글 개체 틀 4">
             <a:extLst>
               <a:ext uri="{FF2B5EF4-FFF2-40B4-BE49-F238E27FC236}">
-                <a16:creationId xmlns:a16="http://schemas.microsoft.com/office/drawing/2014/main" xmlns="" id="{E6847630-7AE5-2706-2404-F94D6A4CFA5C}"/>
+                <a16:creationId xmlns:a16="http://schemas.microsoft.com/office/drawing/2014/main" id="{E6847630-7AE5-2706-2404-F94D6A4CFA5C}"/>
               </a:ext>
             </a:extLst>
           </p:cNvPr>
@@ -776,7 +776,7 @@
           <p:cNvPr id="6" name="슬라이드 번호 개체 틀 5">
             <a:extLst>
               <a:ext uri="{FF2B5EF4-FFF2-40B4-BE49-F238E27FC236}">
-                <a16:creationId xmlns:a16="http://schemas.microsoft.com/office/drawing/2014/main" xmlns="" id="{75DA98C0-863E-3233-E6CC-C61C5150EEB1}"/>
+                <a16:creationId xmlns:a16="http://schemas.microsoft.com/office/drawing/2014/main" id="{75DA98C0-863E-3233-E6CC-C61C5150EEB1}"/>
               </a:ext>
             </a:extLst>
           </p:cNvPr>
@@ -1143,7 +1143,7 @@
           <p:cNvPr id="5" name="TextBox 4">
             <a:extLst>
               <a:ext uri="{FF2B5EF4-FFF2-40B4-BE49-F238E27FC236}">
-                <a16:creationId xmlns:a16="http://schemas.microsoft.com/office/drawing/2014/main" xmlns="" id="{B6956878-ABEC-AF9A-D2CE-3CA826B6E387}"/>
+                <a16:creationId xmlns:a16="http://schemas.microsoft.com/office/drawing/2014/main" id="{B6956878-ABEC-AF9A-D2CE-3CA826B6E387}"/>
               </a:ext>
             </a:extLst>
           </p:cNvPr>
@@ -1167,7 +1167,7 @@
           <a:lstStyle/>
           <a:p>
             <a:r>
-              <a:rPr lang="ko-KR" altLang="en-US" sz="6000" spc="-150" dirty="0" smtClean="0">
+              <a:rPr lang="ko-KR" altLang="en-US" sz="6000" spc="-150" dirty="0">
                 <a:solidFill>
                   <a:schemeClr val="bg1"/>
                 </a:solidFill>
@@ -1191,7 +1191,7 @@
           <p:cNvPr id="6" name="TextBox 5">
             <a:extLst>
               <a:ext uri="{FF2B5EF4-FFF2-40B4-BE49-F238E27FC236}">
-                <a16:creationId xmlns:a16="http://schemas.microsoft.com/office/drawing/2014/main" xmlns="" id="{B1BEB93D-E860-DD72-63D2-BA2ACD126D65}"/>
+                <a16:creationId xmlns:a16="http://schemas.microsoft.com/office/drawing/2014/main" id="{B1BEB93D-E860-DD72-63D2-BA2ACD126D65}"/>
               </a:ext>
             </a:extLst>
           </p:cNvPr>
@@ -1242,7 +1242,7 @@
           <p:cNvPr id="7" name="직선 연결선 6">
             <a:extLst>
               <a:ext uri="{FF2B5EF4-FFF2-40B4-BE49-F238E27FC236}">
-                <a16:creationId xmlns:a16="http://schemas.microsoft.com/office/drawing/2014/main" xmlns="" id="{AA083F78-7EAC-088E-92A6-2CCA7C19FAAA}"/>
+                <a16:creationId xmlns:a16="http://schemas.microsoft.com/office/drawing/2014/main" id="{AA083F78-7EAC-088E-92A6-2CCA7C19FAAA}"/>
               </a:ext>
             </a:extLst>
           </p:cNvPr>
@@ -1280,6 +1280,139 @@
           </a:fontRef>
         </p:style>
       </p:cxnSp>
+      <p:pic>
+        <p:nvPicPr>
+          <p:cNvPr id="3" name="그림 2">
+            <a:extLst>
+              <a:ext uri="{FF2B5EF4-FFF2-40B4-BE49-F238E27FC236}">
+                <a16:creationId xmlns:a16="http://schemas.microsoft.com/office/drawing/2014/main" id="{80B685C8-6A20-E395-358B-37BCAD85F925}"/>
+              </a:ext>
+            </a:extLst>
+          </p:cNvPr>
+          <p:cNvPicPr>
+            <a:picLocks noChangeAspect="1"/>
+          </p:cNvPicPr>
+          <p:nvPr/>
+        </p:nvPicPr>
+        <p:blipFill>
+          <a:blip r:embed="rId2"/>
+          <a:stretch>
+            <a:fillRect/>
+          </a:stretch>
+        </p:blipFill>
+        <p:spPr>
+          <a:xfrm>
+            <a:off x="10083912" y="6499912"/>
+            <a:ext cx="2019315" cy="276227"/>
+          </a:xfrm>
+          <a:prstGeom prst="rect">
+            <a:avLst/>
+          </a:prstGeom>
+        </p:spPr>
+      </p:pic>
+      <p:sp>
+        <p:nvSpPr>
+          <p:cNvPr id="4" name="TextBox 3">
+            <a:extLst>
+              <a:ext uri="{FF2B5EF4-FFF2-40B4-BE49-F238E27FC236}">
+                <a16:creationId xmlns:a16="http://schemas.microsoft.com/office/drawing/2014/main" id="{EEC83F46-7E99-2D8B-C11E-A8E4209062DE}"/>
+              </a:ext>
+            </a:extLst>
+          </p:cNvPr>
+          <p:cNvSpPr txBox="1"/>
+          <p:nvPr/>
+        </p:nvSpPr>
+        <p:spPr>
+          <a:xfrm>
+            <a:off x="8047841" y="5579430"/>
+            <a:ext cx="4067968" cy="954107"/>
+          </a:xfrm>
+          <a:prstGeom prst="rect">
+            <a:avLst/>
+          </a:prstGeom>
+          <a:noFill/>
+        </p:spPr>
+        <p:txBody>
+          <a:bodyPr wrap="square" rtlCol="0">
+            <a:spAutoFit/>
+          </a:bodyPr>
+          <a:lstStyle/>
+          <a:p>
+            <a:r>
+              <a:rPr lang="en-US" altLang="ko-KR" sz="2800" spc="-150" dirty="0">
+                <a:solidFill>
+                  <a:schemeClr val="bg1"/>
+                </a:solidFill>
+                <a:latin typeface="맑은 고딕" panose="020B0503020000020004" pitchFamily="50" charset="-127"/>
+                <a:ea typeface="맑은 고딕" panose="020B0503020000020004" pitchFamily="50" charset="-127"/>
+              </a:rPr>
+              <a:t>- </a:t>
+            </a:r>
+            <a:r>
+              <a:rPr lang="ko-KR" altLang="en-US" sz="2800" spc="-150" dirty="0" err="1">
+                <a:solidFill>
+                  <a:schemeClr val="bg1"/>
+                </a:solidFill>
+                <a:latin typeface="맑은 고딕" panose="020B0503020000020004" pitchFamily="50" charset="-127"/>
+                <a:ea typeface="맑은 고딕" panose="020B0503020000020004" pitchFamily="50" charset="-127"/>
+              </a:rPr>
+              <a:t>데이터마이닝</a:t>
+            </a:r>
+            <a:r>
+              <a:rPr lang="ko-KR" altLang="en-US" sz="2800" spc="-150" dirty="0">
+                <a:solidFill>
+                  <a:schemeClr val="bg1"/>
+                </a:solidFill>
+                <a:latin typeface="맑은 고딕" panose="020B0503020000020004" pitchFamily="50" charset="-127"/>
+                <a:ea typeface="맑은 고딕" panose="020B0503020000020004" pitchFamily="50" charset="-127"/>
+              </a:rPr>
+              <a:t> 과제물</a:t>
+            </a:r>
+            <a:r>
+              <a:rPr lang="en-US" altLang="ko-KR" sz="2800" spc="-150" dirty="0">
+                <a:solidFill>
+                  <a:schemeClr val="bg1"/>
+                </a:solidFill>
+                <a:latin typeface="맑은 고딕" panose="020B0503020000020004" pitchFamily="50" charset="-127"/>
+                <a:ea typeface="맑은 고딕" panose="020B0503020000020004" pitchFamily="50" charset="-127"/>
+              </a:rPr>
+              <a:t> </a:t>
+            </a:r>
+          </a:p>
+          <a:p>
+            <a:r>
+              <a:rPr lang="en-US" altLang="ko-KR" sz="2800" spc="-150" dirty="0">
+                <a:solidFill>
+                  <a:schemeClr val="bg1"/>
+                </a:solidFill>
+                <a:latin typeface="맑은 고딕" panose="020B0503020000020004" pitchFamily="50" charset="-127"/>
+                <a:ea typeface="맑은 고딕" panose="020B0503020000020004" pitchFamily="50" charset="-127"/>
+              </a:rPr>
+              <a:t>- </a:t>
+            </a:r>
+            <a:r>
+              <a:rPr lang="ko-KR" altLang="en-US" sz="2800" spc="-150" dirty="0">
+                <a:solidFill>
+                  <a:schemeClr val="bg1"/>
+                </a:solidFill>
+                <a:latin typeface="맑은 고딕" panose="020B0503020000020004" pitchFamily="50" charset="-127"/>
+                <a:ea typeface="맑은 고딕" panose="020B0503020000020004" pitchFamily="50" charset="-127"/>
+              </a:rPr>
+              <a:t>발표일 </a:t>
+            </a:r>
+            <a:r>
+              <a:rPr lang="en-US" altLang="ko-KR" sz="2800" spc="-150" dirty="0">
+                <a:solidFill>
+                  <a:schemeClr val="bg1"/>
+                </a:solidFill>
+                <a:latin typeface="맑은 고딕" panose="020B0503020000020004" pitchFamily="50" charset="-127"/>
+                <a:ea typeface="맑은 고딕" panose="020B0503020000020004" pitchFamily="50" charset="-127"/>
+              </a:rPr>
+              <a:t>: 2022. 12. 5</a:t>
+            </a:r>
+          </a:p>
+        </p:txBody>
+      </p:sp>
     </p:spTree>
     <p:extLst>
       <p:ext uri="{BB962C8B-B14F-4D97-AF65-F5344CB8AC3E}">
@@ -1290,19 +1423,20 @@
   <p:clrMapOvr>
     <a:masterClrMapping/>
   </p:clrMapOvr>
-  <p:timing>
-    <p:tnLst>
-      <p:par>
-        <p:cTn id="1" dur="indefinite" restart="never" nodeType="tmRoot"/>
-      </p:par>
-    </p:tnLst>
-  </p:timing>
 </p:sld>
 </file>
 
 <file path=ppt/slides/slide10.xml><?xml version="1.0" encoding="utf-8"?>
 <p:sld xmlns:a="http://schemas.openxmlformats.org/drawingml/2006/main" xmlns:r="http://schemas.openxmlformats.org/officeDocument/2006/relationships" xmlns:p="http://schemas.openxmlformats.org/presentationml/2006/main">
   <p:cSld>
+    <p:bg>
+      <p:bgPr>
+        <a:solidFill>
+          <a:srgbClr val="718EA0"/>
+        </a:solidFill>
+        <a:effectLst/>
+      </p:bgPr>
+    </p:bg>
     <p:spTree>
       <p:nvGrpSpPr>
         <p:cNvPr id="1" name=""/>
@@ -1317,53 +1451,12 @@
           <a:chExt cx="0" cy="0"/>
         </a:xfrm>
       </p:grpSpPr>
-      <p:cxnSp>
-        <p:nvCxnSpPr>
-          <p:cNvPr id="3" name="직선 연결선 2">
-            <a:extLst>
-              <a:ext uri="{FF2B5EF4-FFF2-40B4-BE49-F238E27FC236}">
-                <a16:creationId xmlns:a16="http://schemas.microsoft.com/office/drawing/2014/main" xmlns="" id="{E3FBA607-E7FC-B7F8-2868-BC448F31F790}"/>
-              </a:ext>
-            </a:extLst>
-          </p:cNvPr>
-          <p:cNvCxnSpPr/>
-          <p:nvPr/>
-        </p:nvCxnSpPr>
-        <p:spPr>
-          <a:xfrm>
-            <a:off x="144378" y="160422"/>
-            <a:ext cx="12060000" cy="0"/>
-          </a:xfrm>
-          <a:prstGeom prst="line">
-            <a:avLst/>
-          </a:prstGeom>
-          <a:ln w="76200">
-            <a:solidFill>
-              <a:schemeClr val="accent1"/>
-            </a:solidFill>
-          </a:ln>
-        </p:spPr>
-        <p:style>
-          <a:lnRef idx="1">
-            <a:schemeClr val="accent1"/>
-          </a:lnRef>
-          <a:fillRef idx="0">
-            <a:schemeClr val="accent1"/>
-          </a:fillRef>
-          <a:effectRef idx="0">
-            <a:schemeClr val="accent1"/>
-          </a:effectRef>
-          <a:fontRef idx="minor">
-            <a:schemeClr val="tx1"/>
-          </a:fontRef>
-        </p:style>
-      </p:cxnSp>
-      <p:sp>
-        <p:nvSpPr>
-          <p:cNvPr id="5" name="TextBox 4">
-            <a:extLst>
-              <a:ext uri="{FF2B5EF4-FFF2-40B4-BE49-F238E27FC236}">
-                <a16:creationId xmlns:a16="http://schemas.microsoft.com/office/drawing/2014/main" xmlns="" id="{3251639B-29EB-6E9D-733B-6F917838F571}"/>
+      <p:sp>
+        <p:nvSpPr>
+          <p:cNvPr id="229" name="TextBox 228">
+            <a:extLst>
+              <a:ext uri="{FF2B5EF4-FFF2-40B4-BE49-F238E27FC236}">
+                <a16:creationId xmlns:a16="http://schemas.microsoft.com/office/drawing/2014/main" id="{82E972E3-5A9F-5EC8-8519-037C335D1561}"/>
               </a:ext>
             </a:extLst>
           </p:cNvPr>
@@ -1371,9 +1464,9 @@
           <p:nvPr/>
         </p:nvSpPr>
         <p:spPr>
-          <a:xfrm>
-            <a:off x="5109410" y="3290924"/>
-            <a:ext cx="1843774" cy="523220"/>
+          <a:xfrm flipH="1">
+            <a:off x="299049" y="1387631"/>
+            <a:ext cx="11593901" cy="3416320"/>
           </a:xfrm>
           <a:prstGeom prst="rect">
             <a:avLst/>
@@ -1381,99 +1474,183 @@
           <a:noFill/>
         </p:spPr>
         <p:txBody>
-          <a:bodyPr wrap="none" rtlCol="0">
+          <a:bodyPr wrap="square" rtlCol="0">
             <a:spAutoFit/>
           </a:bodyPr>
           <a:lstStyle/>
           <a:p>
-            <a:r>
-              <a:rPr lang="ko-KR" altLang="en-US" sz="2800" b="1" spc="-300" dirty="0" smtClean="0">
+            <a:pPr marL="0" marR="0" lvl="0" indent="0" algn="ctr" defTabSz="914400" rtl="0" eaLnBrk="1" fontAlgn="auto" latinLnBrk="1" hangingPunct="1">
+              <a:lnSpc>
+                <a:spcPct val="100000"/>
+              </a:lnSpc>
+              <a:spcBef>
+                <a:spcPts val="0"/>
+              </a:spcBef>
+              <a:spcAft>
+                <a:spcPts val="0"/>
+              </a:spcAft>
+              <a:buClrTx/>
+              <a:buSzTx/>
+              <a:buFontTx/>
+              <a:buNone/>
+              <a:tabLst/>
+              <a:defRPr/>
+            </a:pPr>
+            <a:r>
+              <a:rPr kumimoji="0" lang="en-US" altLang="ko-KR" sz="7200" b="1" i="0" u="none" strike="noStrike" kern="1200" cap="none" spc="0" normalizeH="0" baseline="0" noProof="0" dirty="0">
+                <a:ln>
+                  <a:noFill/>
+                </a:ln>
                 <a:solidFill>
-                  <a:schemeClr val="accent1"/>
+                  <a:prstClr val="white"/>
                 </a:solidFill>
-                <a:latin typeface="맑은 고딕" panose="020B0503020000020004" pitchFamily="50" charset="-127"/>
-                <a:ea typeface="맑은 고딕" panose="020B0503020000020004" pitchFamily="50" charset="-127"/>
+                <a:effectLst/>
+                <a:uLnTx/>
+                <a:uFillTx/>
+                <a:latin typeface="Pretendard"/>
+                <a:cs typeface="+mn-cs"/>
+              </a:rPr>
+              <a:t>Q &amp; A</a:t>
+            </a:r>
+          </a:p>
+          <a:p>
+            <a:pPr marL="0" marR="0" lvl="0" indent="0" algn="ctr" defTabSz="914400" rtl="0" eaLnBrk="1" fontAlgn="auto" latinLnBrk="1" hangingPunct="1">
+              <a:lnSpc>
+                <a:spcPct val="100000"/>
+              </a:lnSpc>
+              <a:spcBef>
+                <a:spcPts val="0"/>
+              </a:spcBef>
+              <a:spcAft>
+                <a:spcPts val="0"/>
+              </a:spcAft>
+              <a:buClrTx/>
+              <a:buSzTx/>
+              <a:buFontTx/>
+              <a:buNone/>
+              <a:tabLst/>
+              <a:defRPr/>
+            </a:pPr>
+            <a:endParaRPr kumimoji="0" lang="en-US" altLang="ko-KR" sz="7200" b="1" i="0" u="none" strike="noStrike" kern="1200" cap="none" spc="0" normalizeH="0" baseline="0" noProof="0" dirty="0">
+              <a:ln>
+                <a:noFill/>
+              </a:ln>
+              <a:solidFill>
+                <a:prstClr val="white"/>
+              </a:solidFill>
+              <a:effectLst/>
+              <a:uLnTx/>
+              <a:uFillTx/>
+              <a:latin typeface="Pretendard"/>
+              <a:cs typeface="+mn-cs"/>
+            </a:endParaRPr>
+          </a:p>
+          <a:p>
+            <a:pPr marL="0" marR="0" lvl="0" indent="0" algn="ctr" defTabSz="914400" rtl="0" eaLnBrk="1" fontAlgn="auto" latinLnBrk="1" hangingPunct="1">
+              <a:lnSpc>
+                <a:spcPct val="100000"/>
+              </a:lnSpc>
+              <a:spcBef>
+                <a:spcPts val="0"/>
+              </a:spcBef>
+              <a:spcAft>
+                <a:spcPts val="0"/>
+              </a:spcAft>
+              <a:buClrTx/>
+              <a:buSzTx/>
+              <a:buFontTx/>
+              <a:buNone/>
+              <a:tabLst/>
+              <a:defRPr/>
+            </a:pPr>
+            <a:r>
+              <a:rPr kumimoji="0" lang="ko-KR" altLang="en-US" sz="7200" b="1" i="1" u="none" strike="noStrike" kern="1200" cap="none" spc="0" normalizeH="0" baseline="0" noProof="0" dirty="0">
+                <a:ln>
+                  <a:noFill/>
+                </a:ln>
+                <a:solidFill>
+                  <a:prstClr val="white"/>
+                </a:solidFill>
+                <a:effectLst/>
+                <a:uLnTx/>
+                <a:uFillTx/>
+                <a:latin typeface="Pretendard"/>
+                <a:cs typeface="+mn-cs"/>
               </a:rPr>
               <a:t>감사합니다</a:t>
             </a:r>
             <a:r>
-              <a:rPr lang="en-US" altLang="ko-KR" sz="2800" b="1" spc="-300" dirty="0" smtClean="0">
+              <a:rPr kumimoji="0" lang="en-US" altLang="ko-KR" sz="7200" b="1" i="1" u="none" strike="noStrike" kern="1200" cap="none" spc="0" normalizeH="0" baseline="0" noProof="0" dirty="0">
+                <a:ln>
+                  <a:noFill/>
+                </a:ln>
                 <a:solidFill>
-                  <a:schemeClr val="accent1"/>
+                  <a:prstClr val="white"/>
                 </a:solidFill>
-                <a:latin typeface="맑은 고딕" panose="020B0503020000020004" pitchFamily="50" charset="-127"/>
-                <a:ea typeface="맑은 고딕" panose="020B0503020000020004" pitchFamily="50" charset="-127"/>
+                <a:effectLst/>
+                <a:uLnTx/>
+                <a:uFillTx/>
+                <a:latin typeface="Pretendard"/>
+                <a:cs typeface="+mn-cs"/>
               </a:rPr>
-              <a:t>.</a:t>
-            </a:r>
-            <a:endParaRPr lang="ko-KR" altLang="en-US" sz="2800" b="1" spc="-300" dirty="0">
+              <a:t>!</a:t>
+            </a:r>
+            <a:endParaRPr kumimoji="0" lang="ko-KR" altLang="en-US" sz="7200" b="1" i="1" u="none" strike="noStrike" kern="1200" cap="none" spc="0" normalizeH="0" baseline="0" noProof="0" dirty="0">
+              <a:ln>
+                <a:noFill/>
+              </a:ln>
               <a:solidFill>
-                <a:schemeClr val="accent1"/>
+                <a:prstClr val="white"/>
               </a:solidFill>
-              <a:latin typeface="맑은 고딕" panose="020B0503020000020004" pitchFamily="50" charset="-127"/>
-              <a:ea typeface="맑은 고딕" panose="020B0503020000020004" pitchFamily="50" charset="-127"/>
+              <a:effectLst/>
+              <a:uLnTx/>
+              <a:uFillTx/>
+              <a:latin typeface="Pretendard"/>
+              <a:cs typeface="+mn-cs"/>
             </a:endParaRPr>
           </a:p>
         </p:txBody>
       </p:sp>
-      <p:cxnSp>
-        <p:nvCxnSpPr>
-          <p:cNvPr id="6" name="직선 연결선 5">
-            <a:extLst>
-              <a:ext uri="{FF2B5EF4-FFF2-40B4-BE49-F238E27FC236}">
-                <a16:creationId xmlns:a16="http://schemas.microsoft.com/office/drawing/2014/main" xmlns="" id="{227D3D02-66A7-B0C0-2CF2-A0900C18861C}"/>
-              </a:ext>
-            </a:extLst>
-          </p:cNvPr>
-          <p:cNvCxnSpPr/>
-          <p:nvPr/>
-        </p:nvCxnSpPr>
-        <p:spPr>
-          <a:xfrm>
-            <a:off x="144378" y="6737685"/>
-            <a:ext cx="12060000" cy="0"/>
-          </a:xfrm>
-          <a:prstGeom prst="line">
-            <a:avLst/>
-          </a:prstGeom>
-          <a:ln w="3175">
-            <a:solidFill>
-              <a:schemeClr val="accent1"/>
-            </a:solidFill>
-          </a:ln>
-        </p:spPr>
-        <p:style>
-          <a:lnRef idx="1">
-            <a:schemeClr val="accent1"/>
-          </a:lnRef>
-          <a:fillRef idx="0">
-            <a:schemeClr val="accent1"/>
-          </a:fillRef>
-          <a:effectRef idx="0">
-            <a:schemeClr val="accent1"/>
-          </a:effectRef>
-          <a:fontRef idx="minor">
-            <a:schemeClr val="tx1"/>
-          </a:fontRef>
-        </p:style>
-      </p:cxnSp>
+      <p:pic>
+        <p:nvPicPr>
+          <p:cNvPr id="3" name="그림 2">
+            <a:extLst>
+              <a:ext uri="{FF2B5EF4-FFF2-40B4-BE49-F238E27FC236}">
+                <a16:creationId xmlns:a16="http://schemas.microsoft.com/office/drawing/2014/main" id="{C1A5CD31-3946-B534-23EA-EFFA4A74554E}"/>
+              </a:ext>
+            </a:extLst>
+          </p:cNvPr>
+          <p:cNvPicPr>
+            <a:picLocks noChangeAspect="1"/>
+          </p:cNvPicPr>
+          <p:nvPr/>
+        </p:nvPicPr>
+        <p:blipFill>
+          <a:blip r:embed="rId2"/>
+          <a:stretch>
+            <a:fillRect/>
+          </a:stretch>
+        </p:blipFill>
+        <p:spPr>
+          <a:xfrm>
+            <a:off x="10015126" y="6510335"/>
+            <a:ext cx="2176874" cy="347665"/>
+          </a:xfrm>
+          <a:prstGeom prst="rect">
+            <a:avLst/>
+          </a:prstGeom>
+        </p:spPr>
+      </p:pic>
     </p:spTree>
     <p:extLst>
       <p:ext uri="{BB962C8B-B14F-4D97-AF65-F5344CB8AC3E}">
-        <p14:creationId xmlns:p14="http://schemas.microsoft.com/office/powerpoint/2010/main" val="3375819728"/>
+        <p14:creationId xmlns:p14="http://schemas.microsoft.com/office/powerpoint/2010/main" val="3642415990"/>
       </p:ext>
     </p:extLst>
   </p:cSld>
   <p:clrMapOvr>
     <a:masterClrMapping/>
   </p:clrMapOvr>
-  <p:timing>
-    <p:tnLst>
-      <p:par>
-        <p:cTn id="1" dur="indefinite" restart="never" nodeType="tmRoot"/>
-      </p:par>
-    </p:tnLst>
-  </p:timing>
 </p:sld>
 </file>
 
@@ -1504,12 +1681,374 @@
           <a:chExt cx="0" cy="0"/>
         </a:xfrm>
       </p:grpSpPr>
+      <p:sp>
+        <p:nvSpPr>
+          <p:cNvPr id="5" name="TextBox 4">
+            <a:extLst>
+              <a:ext uri="{FF2B5EF4-FFF2-40B4-BE49-F238E27FC236}">
+                <a16:creationId xmlns:a16="http://schemas.microsoft.com/office/drawing/2014/main" id="{B748DE9C-B5AD-BAA4-4EBD-53FA1916E9A2}"/>
+              </a:ext>
+            </a:extLst>
+          </p:cNvPr>
+          <p:cNvSpPr txBox="1"/>
+          <p:nvPr/>
+        </p:nvSpPr>
+        <p:spPr>
+          <a:xfrm>
+            <a:off x="1229707" y="721892"/>
+            <a:ext cx="1107996" cy="646331"/>
+          </a:xfrm>
+          <a:prstGeom prst="rect">
+            <a:avLst/>
+          </a:prstGeom>
+          <a:noFill/>
+        </p:spPr>
+        <p:txBody>
+          <a:bodyPr wrap="none" rtlCol="0">
+            <a:spAutoFit/>
+          </a:bodyPr>
+          <a:lstStyle/>
+          <a:p>
+            <a:r>
+              <a:rPr lang="ko-KR" altLang="en-US" sz="3600" b="1" dirty="0">
+                <a:solidFill>
+                  <a:schemeClr val="accent1"/>
+                </a:solidFill>
+                <a:latin typeface="맑은 고딕" panose="020B0503020000020004" pitchFamily="50" charset="-127"/>
+                <a:ea typeface="맑은 고딕" panose="020B0503020000020004" pitchFamily="50" charset="-127"/>
+              </a:rPr>
+              <a:t>목차</a:t>
+            </a:r>
+          </a:p>
+        </p:txBody>
+      </p:sp>
+      <p:sp>
+        <p:nvSpPr>
+          <p:cNvPr id="7" name="TextBox 6">
+            <a:extLst>
+              <a:ext uri="{FF2B5EF4-FFF2-40B4-BE49-F238E27FC236}">
+                <a16:creationId xmlns:a16="http://schemas.microsoft.com/office/drawing/2014/main" id="{CE308183-DB54-F711-9B69-C8C5752AF7AF}"/>
+              </a:ext>
+            </a:extLst>
+          </p:cNvPr>
+          <p:cNvSpPr txBox="1"/>
+          <p:nvPr/>
+        </p:nvSpPr>
+        <p:spPr>
+          <a:xfrm>
+            <a:off x="1856247" y="2362199"/>
+            <a:ext cx="333746" cy="400110"/>
+          </a:xfrm>
+          <a:prstGeom prst="rect">
+            <a:avLst/>
+          </a:prstGeom>
+          <a:noFill/>
+        </p:spPr>
+        <p:txBody>
+          <a:bodyPr wrap="none" rtlCol="0">
+            <a:spAutoFit/>
+          </a:bodyPr>
+          <a:lstStyle/>
+          <a:p>
+            <a:r>
+              <a:rPr lang="en-US" altLang="ko-KR" sz="2000" b="1" dirty="0">
+                <a:solidFill>
+                  <a:schemeClr val="accent1"/>
+                </a:solidFill>
+                <a:latin typeface="맑은 고딕" panose="020B0503020000020004" pitchFamily="50" charset="-127"/>
+                <a:ea typeface="맑은 고딕" panose="020B0503020000020004" pitchFamily="50" charset="-127"/>
+              </a:rPr>
+              <a:t>1</a:t>
+            </a:r>
+            <a:endParaRPr lang="ko-KR" altLang="en-US" sz="2000" b="1" dirty="0">
+              <a:solidFill>
+                <a:schemeClr val="accent1"/>
+              </a:solidFill>
+              <a:latin typeface="맑은 고딕" panose="020B0503020000020004" pitchFamily="50" charset="-127"/>
+              <a:ea typeface="맑은 고딕" panose="020B0503020000020004" pitchFamily="50" charset="-127"/>
+            </a:endParaRPr>
+          </a:p>
+        </p:txBody>
+      </p:sp>
+      <p:sp>
+        <p:nvSpPr>
+          <p:cNvPr id="8" name="TextBox 7">
+            <a:extLst>
+              <a:ext uri="{FF2B5EF4-FFF2-40B4-BE49-F238E27FC236}">
+                <a16:creationId xmlns:a16="http://schemas.microsoft.com/office/drawing/2014/main" id="{BC5F8E78-68AC-B048-5336-EE835D4169E6}"/>
+              </a:ext>
+            </a:extLst>
+          </p:cNvPr>
+          <p:cNvSpPr txBox="1"/>
+          <p:nvPr/>
+        </p:nvSpPr>
+        <p:spPr>
+          <a:xfrm>
+            <a:off x="2585007" y="2300644"/>
+            <a:ext cx="2196435" cy="523220"/>
+          </a:xfrm>
+          <a:prstGeom prst="rect">
+            <a:avLst/>
+          </a:prstGeom>
+          <a:noFill/>
+        </p:spPr>
+        <p:txBody>
+          <a:bodyPr wrap="none" rtlCol="0">
+            <a:spAutoFit/>
+          </a:bodyPr>
+          <a:lstStyle/>
+          <a:p>
+            <a:r>
+              <a:rPr lang="ko-KR" altLang="en-US" sz="2800" spc="-300" dirty="0">
+                <a:solidFill>
+                  <a:schemeClr val="accent1"/>
+                </a:solidFill>
+                <a:latin typeface="맑은 고딕" panose="020B0503020000020004" pitchFamily="50" charset="-127"/>
+                <a:ea typeface="맑은 고딕" panose="020B0503020000020004" pitchFamily="50" charset="-127"/>
+              </a:rPr>
+              <a:t>홈페이지 주제</a:t>
+            </a:r>
+          </a:p>
+        </p:txBody>
+      </p:sp>
+      <p:sp>
+        <p:nvSpPr>
+          <p:cNvPr id="9" name="TextBox 8">
+            <a:extLst>
+              <a:ext uri="{FF2B5EF4-FFF2-40B4-BE49-F238E27FC236}">
+                <a16:creationId xmlns:a16="http://schemas.microsoft.com/office/drawing/2014/main" id="{313F5BEB-A29E-EC98-4681-67E53CB0B3C2}"/>
+              </a:ext>
+            </a:extLst>
+          </p:cNvPr>
+          <p:cNvSpPr txBox="1"/>
+          <p:nvPr/>
+        </p:nvSpPr>
+        <p:spPr>
+          <a:xfrm>
+            <a:off x="1856247" y="3438417"/>
+            <a:ext cx="341760" cy="400110"/>
+          </a:xfrm>
+          <a:prstGeom prst="rect">
+            <a:avLst/>
+          </a:prstGeom>
+          <a:noFill/>
+        </p:spPr>
+        <p:txBody>
+          <a:bodyPr wrap="none" rtlCol="0">
+            <a:spAutoFit/>
+          </a:bodyPr>
+          <a:lstStyle/>
+          <a:p>
+            <a:r>
+              <a:rPr lang="en-US" altLang="ko-KR" sz="2000" b="1" dirty="0">
+                <a:solidFill>
+                  <a:schemeClr val="accent1"/>
+                </a:solidFill>
+                <a:latin typeface="맑은 고딕" panose="020B0503020000020004" pitchFamily="50" charset="-127"/>
+                <a:ea typeface="맑은 고딕" panose="020B0503020000020004" pitchFamily="50" charset="-127"/>
+              </a:rPr>
+              <a:t>2</a:t>
+            </a:r>
+            <a:endParaRPr lang="ko-KR" altLang="en-US" sz="2000" b="1" dirty="0">
+              <a:solidFill>
+                <a:schemeClr val="accent1"/>
+              </a:solidFill>
+              <a:latin typeface="맑은 고딕" panose="020B0503020000020004" pitchFamily="50" charset="-127"/>
+              <a:ea typeface="맑은 고딕" panose="020B0503020000020004" pitchFamily="50" charset="-127"/>
+            </a:endParaRPr>
+          </a:p>
+        </p:txBody>
+      </p:sp>
+      <p:sp>
+        <p:nvSpPr>
+          <p:cNvPr id="10" name="TextBox 9">
+            <a:extLst>
+              <a:ext uri="{FF2B5EF4-FFF2-40B4-BE49-F238E27FC236}">
+                <a16:creationId xmlns:a16="http://schemas.microsoft.com/office/drawing/2014/main" id="{15EF1453-BC33-8329-E803-35808F5E93AA}"/>
+              </a:ext>
+            </a:extLst>
+          </p:cNvPr>
+          <p:cNvSpPr txBox="1"/>
+          <p:nvPr/>
+        </p:nvSpPr>
+        <p:spPr>
+          <a:xfrm>
+            <a:off x="2585007" y="3376862"/>
+            <a:ext cx="2196435" cy="523220"/>
+          </a:xfrm>
+          <a:prstGeom prst="rect">
+            <a:avLst/>
+          </a:prstGeom>
+          <a:noFill/>
+        </p:spPr>
+        <p:txBody>
+          <a:bodyPr wrap="none" rtlCol="0">
+            <a:spAutoFit/>
+          </a:bodyPr>
+          <a:lstStyle/>
+          <a:p>
+            <a:r>
+              <a:rPr lang="ko-KR" altLang="en-US" sz="2800" spc="-300" dirty="0">
+                <a:solidFill>
+                  <a:schemeClr val="accent1"/>
+                </a:solidFill>
+                <a:latin typeface="맑은 고딕" panose="020B0503020000020004" pitchFamily="50" charset="-127"/>
+                <a:ea typeface="맑은 고딕" panose="020B0503020000020004" pitchFamily="50" charset="-127"/>
+              </a:rPr>
+              <a:t>홈페이지 구조</a:t>
+            </a:r>
+          </a:p>
+        </p:txBody>
+      </p:sp>
+      <p:sp>
+        <p:nvSpPr>
+          <p:cNvPr id="15" name="TextBox 14">
+            <a:extLst>
+              <a:ext uri="{FF2B5EF4-FFF2-40B4-BE49-F238E27FC236}">
+                <a16:creationId xmlns:a16="http://schemas.microsoft.com/office/drawing/2014/main" id="{627B173C-BF4B-5D6B-514A-71779E736CDB}"/>
+              </a:ext>
+            </a:extLst>
+          </p:cNvPr>
+          <p:cNvSpPr txBox="1"/>
+          <p:nvPr/>
+        </p:nvSpPr>
+        <p:spPr>
+          <a:xfrm>
+            <a:off x="2585007" y="986190"/>
+            <a:ext cx="1967205" cy="369332"/>
+          </a:xfrm>
+          <a:prstGeom prst="rect">
+            <a:avLst/>
+          </a:prstGeom>
+          <a:noFill/>
+        </p:spPr>
+        <p:txBody>
+          <a:bodyPr wrap="none" rtlCol="0">
+            <a:spAutoFit/>
+          </a:bodyPr>
+          <a:lstStyle/>
+          <a:p>
+            <a:r>
+              <a:rPr lang="en-US" altLang="ko-KR" dirty="0">
+                <a:solidFill>
+                  <a:schemeClr val="accent1"/>
+                </a:solidFill>
+                <a:latin typeface="맑은 고딕" panose="020B0503020000020004" pitchFamily="50" charset="-127"/>
+                <a:ea typeface="맑은 고딕" panose="020B0503020000020004" pitchFamily="50" charset="-127"/>
+              </a:rPr>
+              <a:t>table of contents</a:t>
+            </a:r>
+            <a:endParaRPr lang="ko-KR" altLang="en-US" dirty="0">
+              <a:solidFill>
+                <a:schemeClr val="accent1"/>
+              </a:solidFill>
+              <a:latin typeface="맑은 고딕" panose="020B0503020000020004" pitchFamily="50" charset="-127"/>
+              <a:ea typeface="맑은 고딕" panose="020B0503020000020004" pitchFamily="50" charset="-127"/>
+            </a:endParaRPr>
+          </a:p>
+        </p:txBody>
+      </p:sp>
+      <p:sp>
+        <p:nvSpPr>
+          <p:cNvPr id="19" name="TextBox 18">
+            <a:extLst>
+              <a:ext uri="{FF2B5EF4-FFF2-40B4-BE49-F238E27FC236}">
+                <a16:creationId xmlns:a16="http://schemas.microsoft.com/office/drawing/2014/main" id="{3D258E78-E0A3-AE12-64E5-C4481F9EEFE4}"/>
+              </a:ext>
+            </a:extLst>
+          </p:cNvPr>
+          <p:cNvSpPr txBox="1"/>
+          <p:nvPr/>
+        </p:nvSpPr>
+        <p:spPr>
+          <a:xfrm>
+            <a:off x="9987228" y="6437787"/>
+            <a:ext cx="2194833" cy="230832"/>
+          </a:xfrm>
+          <a:prstGeom prst="rect">
+            <a:avLst/>
+          </a:prstGeom>
+          <a:noFill/>
+        </p:spPr>
+        <p:txBody>
+          <a:bodyPr wrap="none" rtlCol="0">
+            <a:spAutoFit/>
+          </a:bodyPr>
+          <a:lstStyle/>
+          <a:p>
+            <a:pPr algn="r"/>
+            <a:r>
+              <a:rPr lang="en-US" altLang="ko-KR" sz="900" dirty="0">
+                <a:solidFill>
+                  <a:schemeClr val="accent1"/>
+                </a:solidFill>
+                <a:latin typeface="맑은 고딕" panose="020B0503020000020004" pitchFamily="50" charset="-127"/>
+                <a:ea typeface="맑은 고딕" panose="020B0503020000020004" pitchFamily="50" charset="-127"/>
+                <a:cs typeface="Arial" panose="020B0604020202020204" pitchFamily="34" charset="0"/>
+              </a:rPr>
+              <a:t>ⓒSaebyeol Yu.</a:t>
+            </a:r>
+            <a:r>
+              <a:rPr lang="ko-KR" altLang="en-US" sz="900" dirty="0">
+                <a:solidFill>
+                  <a:schemeClr val="accent1"/>
+                </a:solidFill>
+                <a:latin typeface="맑은 고딕" panose="020B0503020000020004" pitchFamily="50" charset="-127"/>
+                <a:ea typeface="맑은 고딕" panose="020B0503020000020004" pitchFamily="50" charset="-127"/>
+                <a:cs typeface="Arial" panose="020B0604020202020204" pitchFamily="34" charset="0"/>
+              </a:rPr>
+              <a:t> </a:t>
+            </a:r>
+            <a:r>
+              <a:rPr lang="en-US" altLang="ko-KR" sz="900" dirty="0" err="1">
+                <a:solidFill>
+                  <a:schemeClr val="accent1"/>
+                </a:solidFill>
+                <a:latin typeface="맑은 고딕" panose="020B0503020000020004" pitchFamily="50" charset="-127"/>
+                <a:ea typeface="맑은 고딕" panose="020B0503020000020004" pitchFamily="50" charset="-127"/>
+                <a:cs typeface="Arial" panose="020B0604020202020204" pitchFamily="34" charset="0"/>
+              </a:rPr>
+              <a:t>Saebyeol’s</a:t>
+            </a:r>
+            <a:r>
+              <a:rPr lang="ko-KR" altLang="en-US" sz="900" dirty="0">
+                <a:solidFill>
+                  <a:schemeClr val="accent1"/>
+                </a:solidFill>
+                <a:latin typeface="맑은 고딕" panose="020B0503020000020004" pitchFamily="50" charset="-127"/>
+                <a:ea typeface="맑은 고딕" panose="020B0503020000020004" pitchFamily="50" charset="-127"/>
+                <a:cs typeface="Arial" panose="020B0604020202020204" pitchFamily="34" charset="0"/>
+              </a:rPr>
+              <a:t> </a:t>
+            </a:r>
+            <a:r>
+              <a:rPr lang="en-US" altLang="ko-KR" sz="900" dirty="0">
+                <a:solidFill>
+                  <a:schemeClr val="accent1"/>
+                </a:solidFill>
+                <a:latin typeface="맑은 고딕" panose="020B0503020000020004" pitchFamily="50" charset="-127"/>
+                <a:ea typeface="맑은 고딕" panose="020B0503020000020004" pitchFamily="50" charset="-127"/>
+                <a:cs typeface="Arial" panose="020B0604020202020204" pitchFamily="34" charset="0"/>
+              </a:rPr>
+              <a:t>PowerPoint</a:t>
+            </a:r>
+            <a:endParaRPr lang="ko-KR" altLang="en-US" sz="900" dirty="0">
+              <a:solidFill>
+                <a:schemeClr val="accent1"/>
+              </a:solidFill>
+              <a:latin typeface="맑은 고딕" panose="020B0503020000020004" pitchFamily="50" charset="-127"/>
+              <a:ea typeface="맑은 고딕" panose="020B0503020000020004" pitchFamily="50" charset="-127"/>
+              <a:cs typeface="Arial" panose="020B0604020202020204" pitchFamily="34" charset="0"/>
+            </a:endParaRPr>
+          </a:p>
+        </p:txBody>
+      </p:sp>
       <p:pic>
         <p:nvPicPr>
           <p:cNvPr id="18" name="그림 17">
             <a:extLst>
               <a:ext uri="{FF2B5EF4-FFF2-40B4-BE49-F238E27FC236}">
-                <a16:creationId xmlns:a16="http://schemas.microsoft.com/office/drawing/2014/main" xmlns="" id="{02CED0DE-6F71-71B8-7E6B-E4BBFE001510}"/>
+                <a16:creationId xmlns:a16="http://schemas.microsoft.com/office/drawing/2014/main" id="{02CED0DE-6F71-71B8-7E6B-E4BBFE001510}"/>
               </a:ext>
             </a:extLst>
           </p:cNvPr>
@@ -1544,7 +2083,7 @@
           <p:cNvPr id="3" name="직선 연결선 2">
             <a:extLst>
               <a:ext uri="{FF2B5EF4-FFF2-40B4-BE49-F238E27FC236}">
-                <a16:creationId xmlns:a16="http://schemas.microsoft.com/office/drawing/2014/main" xmlns="" id="{695F5617-8CB3-2C90-D484-7E78AF629F77}"/>
+                <a16:creationId xmlns:a16="http://schemas.microsoft.com/office/drawing/2014/main" id="{695F5617-8CB3-2C90-D484-7E78AF629F77}"/>
               </a:ext>
             </a:extLst>
           </p:cNvPr>
@@ -1587,7 +2126,7 @@
           <p:cNvPr id="4" name="직선 연결선 3">
             <a:extLst>
               <a:ext uri="{FF2B5EF4-FFF2-40B4-BE49-F238E27FC236}">
-                <a16:creationId xmlns:a16="http://schemas.microsoft.com/office/drawing/2014/main" xmlns="" id="{8B4A3B93-1F0C-9A0F-F5F7-F4FD3957F3AF}"/>
+                <a16:creationId xmlns:a16="http://schemas.microsoft.com/office/drawing/2014/main" id="{8B4A3B93-1F0C-9A0F-F5F7-F4FD3957F3AF}"/>
               </a:ext>
             </a:extLst>
           </p:cNvPr>
@@ -1625,382 +2164,6 @@
           </a:fontRef>
         </p:style>
       </p:cxnSp>
-      <p:sp>
-        <p:nvSpPr>
-          <p:cNvPr id="5" name="TextBox 4">
-            <a:extLst>
-              <a:ext uri="{FF2B5EF4-FFF2-40B4-BE49-F238E27FC236}">
-                <a16:creationId xmlns:a16="http://schemas.microsoft.com/office/drawing/2014/main" xmlns="" id="{B748DE9C-B5AD-BAA4-4EBD-53FA1916E9A2}"/>
-              </a:ext>
-            </a:extLst>
-          </p:cNvPr>
-          <p:cNvSpPr txBox="1"/>
-          <p:nvPr/>
-        </p:nvSpPr>
-        <p:spPr>
-          <a:xfrm>
-            <a:off x="1229707" y="721892"/>
-            <a:ext cx="1107996" cy="646331"/>
-          </a:xfrm>
-          <a:prstGeom prst="rect">
-            <a:avLst/>
-          </a:prstGeom>
-          <a:noFill/>
-        </p:spPr>
-        <p:txBody>
-          <a:bodyPr wrap="none" rtlCol="0">
-            <a:spAutoFit/>
-          </a:bodyPr>
-          <a:lstStyle/>
-          <a:p>
-            <a:r>
-              <a:rPr lang="ko-KR" altLang="en-US" sz="3600" b="1" dirty="0">
-                <a:solidFill>
-                  <a:schemeClr val="accent1"/>
-                </a:solidFill>
-                <a:latin typeface="맑은 고딕" panose="020B0503020000020004" pitchFamily="50" charset="-127"/>
-                <a:ea typeface="맑은 고딕" panose="020B0503020000020004" pitchFamily="50" charset="-127"/>
-              </a:rPr>
-              <a:t>목차</a:t>
-            </a:r>
-          </a:p>
-        </p:txBody>
-      </p:sp>
-      <p:sp>
-        <p:nvSpPr>
-          <p:cNvPr id="7" name="TextBox 6">
-            <a:extLst>
-              <a:ext uri="{FF2B5EF4-FFF2-40B4-BE49-F238E27FC236}">
-                <a16:creationId xmlns:a16="http://schemas.microsoft.com/office/drawing/2014/main" xmlns="" id="{CE308183-DB54-F711-9B69-C8C5752AF7AF}"/>
-              </a:ext>
-            </a:extLst>
-          </p:cNvPr>
-          <p:cNvSpPr txBox="1"/>
-          <p:nvPr/>
-        </p:nvSpPr>
-        <p:spPr>
-          <a:xfrm>
-            <a:off x="1856247" y="2362199"/>
-            <a:ext cx="333746" cy="400110"/>
-          </a:xfrm>
-          <a:prstGeom prst="rect">
-            <a:avLst/>
-          </a:prstGeom>
-          <a:noFill/>
-        </p:spPr>
-        <p:txBody>
-          <a:bodyPr wrap="none" rtlCol="0">
-            <a:spAutoFit/>
-          </a:bodyPr>
-          <a:lstStyle/>
-          <a:p>
-            <a:r>
-              <a:rPr lang="en-US" altLang="ko-KR" sz="2000" b="1" dirty="0">
-                <a:solidFill>
-                  <a:schemeClr val="accent1"/>
-                </a:solidFill>
-                <a:latin typeface="맑은 고딕" panose="020B0503020000020004" pitchFamily="50" charset="-127"/>
-                <a:ea typeface="맑은 고딕" panose="020B0503020000020004" pitchFamily="50" charset="-127"/>
-              </a:rPr>
-              <a:t>1</a:t>
-            </a:r>
-            <a:endParaRPr lang="ko-KR" altLang="en-US" sz="2000" b="1" dirty="0">
-              <a:solidFill>
-                <a:schemeClr val="accent1"/>
-              </a:solidFill>
-              <a:latin typeface="맑은 고딕" panose="020B0503020000020004" pitchFamily="50" charset="-127"/>
-              <a:ea typeface="맑은 고딕" panose="020B0503020000020004" pitchFamily="50" charset="-127"/>
-            </a:endParaRPr>
-          </a:p>
-        </p:txBody>
-      </p:sp>
-      <p:sp>
-        <p:nvSpPr>
-          <p:cNvPr id="8" name="TextBox 7">
-            <a:extLst>
-              <a:ext uri="{FF2B5EF4-FFF2-40B4-BE49-F238E27FC236}">
-                <a16:creationId xmlns:a16="http://schemas.microsoft.com/office/drawing/2014/main" xmlns="" id="{BC5F8E78-68AC-B048-5336-EE835D4169E6}"/>
-              </a:ext>
-            </a:extLst>
-          </p:cNvPr>
-          <p:cNvSpPr txBox="1"/>
-          <p:nvPr/>
-        </p:nvSpPr>
-        <p:spPr>
-          <a:xfrm>
-            <a:off x="2585007" y="2300644"/>
-            <a:ext cx="2196435" cy="523220"/>
-          </a:xfrm>
-          <a:prstGeom prst="rect">
-            <a:avLst/>
-          </a:prstGeom>
-          <a:noFill/>
-        </p:spPr>
-        <p:txBody>
-          <a:bodyPr wrap="none" rtlCol="0">
-            <a:spAutoFit/>
-          </a:bodyPr>
-          <a:lstStyle/>
-          <a:p>
-            <a:r>
-              <a:rPr lang="ko-KR" altLang="en-US" sz="2800" spc="-300" dirty="0" smtClean="0">
-                <a:solidFill>
-                  <a:schemeClr val="accent1"/>
-                </a:solidFill>
-                <a:latin typeface="맑은 고딕" panose="020B0503020000020004" pitchFamily="50" charset="-127"/>
-                <a:ea typeface="맑은 고딕" panose="020B0503020000020004" pitchFamily="50" charset="-127"/>
-              </a:rPr>
-              <a:t>홈페이지 주제</a:t>
-            </a:r>
-            <a:endParaRPr lang="ko-KR" altLang="en-US" sz="2800" spc="-300" dirty="0">
-              <a:solidFill>
-                <a:schemeClr val="accent1"/>
-              </a:solidFill>
-              <a:latin typeface="맑은 고딕" panose="020B0503020000020004" pitchFamily="50" charset="-127"/>
-              <a:ea typeface="맑은 고딕" panose="020B0503020000020004" pitchFamily="50" charset="-127"/>
-            </a:endParaRPr>
-          </a:p>
-        </p:txBody>
-      </p:sp>
-      <p:sp>
-        <p:nvSpPr>
-          <p:cNvPr id="9" name="TextBox 8">
-            <a:extLst>
-              <a:ext uri="{FF2B5EF4-FFF2-40B4-BE49-F238E27FC236}">
-                <a16:creationId xmlns:a16="http://schemas.microsoft.com/office/drawing/2014/main" xmlns="" id="{313F5BEB-A29E-EC98-4681-67E53CB0B3C2}"/>
-              </a:ext>
-            </a:extLst>
-          </p:cNvPr>
-          <p:cNvSpPr txBox="1"/>
-          <p:nvPr/>
-        </p:nvSpPr>
-        <p:spPr>
-          <a:xfrm>
-            <a:off x="1856247" y="3438417"/>
-            <a:ext cx="341760" cy="400110"/>
-          </a:xfrm>
-          <a:prstGeom prst="rect">
-            <a:avLst/>
-          </a:prstGeom>
-          <a:noFill/>
-        </p:spPr>
-        <p:txBody>
-          <a:bodyPr wrap="none" rtlCol="0">
-            <a:spAutoFit/>
-          </a:bodyPr>
-          <a:lstStyle/>
-          <a:p>
-            <a:r>
-              <a:rPr lang="en-US" altLang="ko-KR" sz="2000" b="1" dirty="0">
-                <a:solidFill>
-                  <a:schemeClr val="accent1"/>
-                </a:solidFill>
-                <a:latin typeface="맑은 고딕" panose="020B0503020000020004" pitchFamily="50" charset="-127"/>
-                <a:ea typeface="맑은 고딕" panose="020B0503020000020004" pitchFamily="50" charset="-127"/>
-              </a:rPr>
-              <a:t>2</a:t>
-            </a:r>
-            <a:endParaRPr lang="ko-KR" altLang="en-US" sz="2000" b="1" dirty="0">
-              <a:solidFill>
-                <a:schemeClr val="accent1"/>
-              </a:solidFill>
-              <a:latin typeface="맑은 고딕" panose="020B0503020000020004" pitchFamily="50" charset="-127"/>
-              <a:ea typeface="맑은 고딕" panose="020B0503020000020004" pitchFamily="50" charset="-127"/>
-            </a:endParaRPr>
-          </a:p>
-        </p:txBody>
-      </p:sp>
-      <p:sp>
-        <p:nvSpPr>
-          <p:cNvPr id="10" name="TextBox 9">
-            <a:extLst>
-              <a:ext uri="{FF2B5EF4-FFF2-40B4-BE49-F238E27FC236}">
-                <a16:creationId xmlns:a16="http://schemas.microsoft.com/office/drawing/2014/main" xmlns="" id="{15EF1453-BC33-8329-E803-35808F5E93AA}"/>
-              </a:ext>
-            </a:extLst>
-          </p:cNvPr>
-          <p:cNvSpPr txBox="1"/>
-          <p:nvPr/>
-        </p:nvSpPr>
-        <p:spPr>
-          <a:xfrm>
-            <a:off x="2585007" y="3376862"/>
-            <a:ext cx="2196435" cy="523220"/>
-          </a:xfrm>
-          <a:prstGeom prst="rect">
-            <a:avLst/>
-          </a:prstGeom>
-          <a:noFill/>
-        </p:spPr>
-        <p:txBody>
-          <a:bodyPr wrap="none" rtlCol="0">
-            <a:spAutoFit/>
-          </a:bodyPr>
-          <a:lstStyle/>
-          <a:p>
-            <a:r>
-              <a:rPr lang="ko-KR" altLang="en-US" sz="2800" spc="-300" dirty="0" smtClean="0">
-                <a:solidFill>
-                  <a:schemeClr val="accent1"/>
-                </a:solidFill>
-                <a:latin typeface="맑은 고딕" panose="020B0503020000020004" pitchFamily="50" charset="-127"/>
-                <a:ea typeface="맑은 고딕" panose="020B0503020000020004" pitchFamily="50" charset="-127"/>
-              </a:rPr>
-              <a:t>홈페이지 구조</a:t>
-            </a:r>
-            <a:endParaRPr lang="ko-KR" altLang="en-US" sz="2800" spc="-300" dirty="0">
-              <a:solidFill>
-                <a:schemeClr val="accent1"/>
-              </a:solidFill>
-              <a:latin typeface="맑은 고딕" panose="020B0503020000020004" pitchFamily="50" charset="-127"/>
-              <a:ea typeface="맑은 고딕" panose="020B0503020000020004" pitchFamily="50" charset="-127"/>
-            </a:endParaRPr>
-          </a:p>
-        </p:txBody>
-      </p:sp>
-      <p:sp>
-        <p:nvSpPr>
-          <p:cNvPr id="15" name="TextBox 14">
-            <a:extLst>
-              <a:ext uri="{FF2B5EF4-FFF2-40B4-BE49-F238E27FC236}">
-                <a16:creationId xmlns:a16="http://schemas.microsoft.com/office/drawing/2014/main" xmlns="" id="{627B173C-BF4B-5D6B-514A-71779E736CDB}"/>
-              </a:ext>
-            </a:extLst>
-          </p:cNvPr>
-          <p:cNvSpPr txBox="1"/>
-          <p:nvPr/>
-        </p:nvSpPr>
-        <p:spPr>
-          <a:xfrm>
-            <a:off x="2585007" y="986190"/>
-            <a:ext cx="1967205" cy="369332"/>
-          </a:xfrm>
-          <a:prstGeom prst="rect">
-            <a:avLst/>
-          </a:prstGeom>
-          <a:noFill/>
-        </p:spPr>
-        <p:txBody>
-          <a:bodyPr wrap="none" rtlCol="0">
-            <a:spAutoFit/>
-          </a:bodyPr>
-          <a:lstStyle/>
-          <a:p>
-            <a:r>
-              <a:rPr lang="en-US" altLang="ko-KR" dirty="0">
-                <a:solidFill>
-                  <a:schemeClr val="accent1"/>
-                </a:solidFill>
-                <a:latin typeface="맑은 고딕" panose="020B0503020000020004" pitchFamily="50" charset="-127"/>
-                <a:ea typeface="맑은 고딕" panose="020B0503020000020004" pitchFamily="50" charset="-127"/>
-              </a:rPr>
-              <a:t>table of contents</a:t>
-            </a:r>
-            <a:endParaRPr lang="ko-KR" altLang="en-US" dirty="0">
-              <a:solidFill>
-                <a:schemeClr val="accent1"/>
-              </a:solidFill>
-              <a:latin typeface="맑은 고딕" panose="020B0503020000020004" pitchFamily="50" charset="-127"/>
-              <a:ea typeface="맑은 고딕" panose="020B0503020000020004" pitchFamily="50" charset="-127"/>
-            </a:endParaRPr>
-          </a:p>
-        </p:txBody>
-      </p:sp>
-      <p:sp>
-        <p:nvSpPr>
-          <p:cNvPr id="19" name="TextBox 18">
-            <a:extLst>
-              <a:ext uri="{FF2B5EF4-FFF2-40B4-BE49-F238E27FC236}">
-                <a16:creationId xmlns:a16="http://schemas.microsoft.com/office/drawing/2014/main" xmlns="" id="{3D258E78-E0A3-AE12-64E5-C4481F9EEFE4}"/>
-              </a:ext>
-            </a:extLst>
-          </p:cNvPr>
-          <p:cNvSpPr txBox="1"/>
-          <p:nvPr/>
-        </p:nvSpPr>
-        <p:spPr>
-          <a:xfrm>
-            <a:off x="9987228" y="6437787"/>
-            <a:ext cx="2194833" cy="230832"/>
-          </a:xfrm>
-          <a:prstGeom prst="rect">
-            <a:avLst/>
-          </a:prstGeom>
-          <a:noFill/>
-        </p:spPr>
-        <p:txBody>
-          <a:bodyPr wrap="none" rtlCol="0">
-            <a:spAutoFit/>
-          </a:bodyPr>
-          <a:lstStyle/>
-          <a:p>
-            <a:pPr algn="r"/>
-            <a:r>
-              <a:rPr lang="en-US" altLang="ko-KR" sz="900" dirty="0">
-                <a:solidFill>
-                  <a:schemeClr val="accent1"/>
-                </a:solidFill>
-                <a:latin typeface="맑은 고딕" panose="020B0503020000020004" pitchFamily="50" charset="-127"/>
-                <a:ea typeface="맑은 고딕" panose="020B0503020000020004" pitchFamily="50" charset="-127"/>
-                <a:cs typeface="Arial" panose="020B0604020202020204" pitchFamily="34" charset="0"/>
-              </a:rPr>
-              <a:t>ⓒSaebyeol Yu.</a:t>
-            </a:r>
-            <a:r>
-              <a:rPr lang="ko-KR" altLang="en-US" sz="900" dirty="0">
-                <a:solidFill>
-                  <a:schemeClr val="accent1"/>
-                </a:solidFill>
-                <a:latin typeface="맑은 고딕" panose="020B0503020000020004" pitchFamily="50" charset="-127"/>
-                <a:ea typeface="맑은 고딕" panose="020B0503020000020004" pitchFamily="50" charset="-127"/>
-                <a:cs typeface="Arial" panose="020B0604020202020204" pitchFamily="34" charset="0"/>
-              </a:rPr>
-              <a:t> </a:t>
-            </a:r>
-            <a:r>
-              <a:rPr lang="en-US" altLang="ko-KR" sz="900" dirty="0" err="1">
-                <a:solidFill>
-                  <a:schemeClr val="accent1"/>
-                </a:solidFill>
-                <a:latin typeface="맑은 고딕" panose="020B0503020000020004" pitchFamily="50" charset="-127"/>
-                <a:ea typeface="맑은 고딕" panose="020B0503020000020004" pitchFamily="50" charset="-127"/>
-                <a:cs typeface="Arial" panose="020B0604020202020204" pitchFamily="34" charset="0"/>
-              </a:rPr>
-              <a:t>Saebyeol’s</a:t>
-            </a:r>
-            <a:r>
-              <a:rPr lang="ko-KR" altLang="en-US" sz="900" dirty="0">
-                <a:solidFill>
-                  <a:schemeClr val="accent1"/>
-                </a:solidFill>
-                <a:latin typeface="맑은 고딕" panose="020B0503020000020004" pitchFamily="50" charset="-127"/>
-                <a:ea typeface="맑은 고딕" panose="020B0503020000020004" pitchFamily="50" charset="-127"/>
-                <a:cs typeface="Arial" panose="020B0604020202020204" pitchFamily="34" charset="0"/>
-              </a:rPr>
-              <a:t> </a:t>
-            </a:r>
-            <a:r>
-              <a:rPr lang="en-US" altLang="ko-KR" sz="900" dirty="0">
-                <a:solidFill>
-                  <a:schemeClr val="accent1"/>
-                </a:solidFill>
-                <a:latin typeface="맑은 고딕" panose="020B0503020000020004" pitchFamily="50" charset="-127"/>
-                <a:ea typeface="맑은 고딕" panose="020B0503020000020004" pitchFamily="50" charset="-127"/>
-                <a:cs typeface="Arial" panose="020B0604020202020204" pitchFamily="34" charset="0"/>
-              </a:rPr>
-              <a:t>PowerPoint</a:t>
-            </a:r>
-            <a:endParaRPr lang="ko-KR" altLang="en-US" sz="900" dirty="0">
-              <a:solidFill>
-                <a:schemeClr val="accent1"/>
-              </a:solidFill>
-              <a:latin typeface="맑은 고딕" panose="020B0503020000020004" pitchFamily="50" charset="-127"/>
-              <a:ea typeface="맑은 고딕" panose="020B0503020000020004" pitchFamily="50" charset="-127"/>
-              <a:cs typeface="Arial" panose="020B0604020202020204" pitchFamily="34" charset="0"/>
-            </a:endParaRPr>
-          </a:p>
-        </p:txBody>
-      </p:sp>
     </p:spTree>
     <p:extLst>
       <p:ext uri="{BB962C8B-B14F-4D97-AF65-F5344CB8AC3E}">
@@ -2011,13 +2174,6 @@
   <p:clrMapOvr>
     <a:masterClrMapping/>
   </p:clrMapOvr>
-  <p:timing>
-    <p:tnLst>
-      <p:par>
-        <p:cTn id="1" dur="indefinite" restart="never" nodeType="tmRoot"/>
-      </p:par>
-    </p:tnLst>
-  </p:timing>
 </p:sld>
 </file>
 
@@ -2054,7 +2210,7 @@
           <p:cNvPr id="3" name="직선 연결선 2">
             <a:extLst>
               <a:ext uri="{FF2B5EF4-FFF2-40B4-BE49-F238E27FC236}">
-                <a16:creationId xmlns:a16="http://schemas.microsoft.com/office/drawing/2014/main" xmlns="" id="{F5C1ACF7-8A35-25CF-FF70-3E0814963361}"/>
+                <a16:creationId xmlns:a16="http://schemas.microsoft.com/office/drawing/2014/main" id="{F5C1ACF7-8A35-25CF-FF70-3E0814963361}"/>
               </a:ext>
             </a:extLst>
           </p:cNvPr>
@@ -2090,7 +2246,7 @@
           <p:cNvPr id="7" name="타원 6">
             <a:extLst>
               <a:ext uri="{FF2B5EF4-FFF2-40B4-BE49-F238E27FC236}">
-                <a16:creationId xmlns:a16="http://schemas.microsoft.com/office/drawing/2014/main" xmlns="" id="{68BDFDEA-2A55-402D-6599-C07C84E494E6}"/>
+                <a16:creationId xmlns:a16="http://schemas.microsoft.com/office/drawing/2014/main" id="{68BDFDEA-2A55-402D-6599-C07C84E494E6}"/>
               </a:ext>
             </a:extLst>
           </p:cNvPr>
@@ -2153,7 +2309,7 @@
           <p:cNvPr id="8" name="타원 7">
             <a:extLst>
               <a:ext uri="{FF2B5EF4-FFF2-40B4-BE49-F238E27FC236}">
-                <a16:creationId xmlns:a16="http://schemas.microsoft.com/office/drawing/2014/main" xmlns="" id="{F001C1F6-1EBD-E5CE-94C9-5878C1918FEC}"/>
+                <a16:creationId xmlns:a16="http://schemas.microsoft.com/office/drawing/2014/main" id="{F001C1F6-1EBD-E5CE-94C9-5878C1918FEC}"/>
               </a:ext>
             </a:extLst>
           </p:cNvPr>
@@ -2216,7 +2372,7 @@
           <p:cNvPr id="9" name="타원 8">
             <a:extLst>
               <a:ext uri="{FF2B5EF4-FFF2-40B4-BE49-F238E27FC236}">
-                <a16:creationId xmlns:a16="http://schemas.microsoft.com/office/drawing/2014/main" xmlns="" id="{F8E857DD-B7DA-4C94-4B41-487CC595ADF3}"/>
+                <a16:creationId xmlns:a16="http://schemas.microsoft.com/office/drawing/2014/main" id="{F8E857DD-B7DA-4C94-4B41-487CC595ADF3}"/>
               </a:ext>
             </a:extLst>
           </p:cNvPr>
@@ -2279,7 +2435,7 @@
           <p:cNvPr id="10" name="TextBox 9">
             <a:extLst>
               <a:ext uri="{FF2B5EF4-FFF2-40B4-BE49-F238E27FC236}">
-                <a16:creationId xmlns:a16="http://schemas.microsoft.com/office/drawing/2014/main" xmlns="" id="{C5FB81F6-76A1-1777-8953-CB7B9A32A7A3}"/>
+                <a16:creationId xmlns:a16="http://schemas.microsoft.com/office/drawing/2014/main" id="{C5FB81F6-76A1-1777-8953-CB7B9A32A7A3}"/>
               </a:ext>
             </a:extLst>
           </p:cNvPr>
@@ -2343,7 +2499,7 @@
           <p:cNvPr id="11" name="TextBox 10">
             <a:extLst>
               <a:ext uri="{FF2B5EF4-FFF2-40B4-BE49-F238E27FC236}">
-                <a16:creationId xmlns:a16="http://schemas.microsoft.com/office/drawing/2014/main" xmlns="" id="{4944080C-AE31-0B6A-5362-529043FB2DAB}"/>
+                <a16:creationId xmlns:a16="http://schemas.microsoft.com/office/drawing/2014/main" id="{4944080C-AE31-0B6A-5362-529043FB2DAB}"/>
               </a:ext>
             </a:extLst>
           </p:cNvPr>
@@ -2368,7 +2524,7 @@
           <a:p>
             <a:pPr algn="ctr"/>
             <a:r>
-              <a:rPr lang="ko-KR" altLang="en-US" sz="3200" b="1" dirty="0" smtClean="0">
+              <a:rPr lang="ko-KR" altLang="en-US" sz="3200" b="1" dirty="0">
                 <a:solidFill>
                   <a:schemeClr val="accent1">
                     <a:lumMod val="50000"/>
@@ -2379,6 +2535,94 @@
               </a:rPr>
               <a:t>주제</a:t>
             </a:r>
+          </a:p>
+        </p:txBody>
+      </p:sp>
+      <p:sp>
+        <p:nvSpPr>
+          <p:cNvPr id="12" name="TextBox 11">
+            <a:extLst>
+              <a:ext uri="{FF2B5EF4-FFF2-40B4-BE49-F238E27FC236}">
+                <a16:creationId xmlns:a16="http://schemas.microsoft.com/office/drawing/2014/main" id="{D83DC3D5-AD91-D8AB-C428-25FDAE44CB12}"/>
+              </a:ext>
+            </a:extLst>
+          </p:cNvPr>
+          <p:cNvSpPr txBox="1"/>
+          <p:nvPr/>
+        </p:nvSpPr>
+        <p:spPr>
+          <a:xfrm>
+            <a:off x="4610100" y="3173635"/>
+            <a:ext cx="2964180" cy="584775"/>
+          </a:xfrm>
+          <a:prstGeom prst="rect">
+            <a:avLst/>
+          </a:prstGeom>
+          <a:noFill/>
+        </p:spPr>
+        <p:txBody>
+          <a:bodyPr wrap="square" rtlCol="0">
+            <a:spAutoFit/>
+          </a:bodyPr>
+          <a:lstStyle/>
+          <a:p>
+            <a:pPr algn="ctr"/>
+            <a:r>
+              <a:rPr lang="ko-KR" altLang="en-US" sz="3200" b="1" dirty="0">
+                <a:solidFill>
+                  <a:schemeClr val="accent1">
+                    <a:lumMod val="50000"/>
+                  </a:schemeClr>
+                </a:solidFill>
+                <a:latin typeface="맑은 고딕" panose="020B0503020000020004" pitchFamily="50" charset="-127"/>
+                <a:ea typeface="맑은 고딕" panose="020B0503020000020004" pitchFamily="50" charset="-127"/>
+              </a:rPr>
+              <a:t>구조</a:t>
+            </a:r>
+          </a:p>
+        </p:txBody>
+      </p:sp>
+      <p:sp>
+        <p:nvSpPr>
+          <p:cNvPr id="13" name="TextBox 12">
+            <a:extLst>
+              <a:ext uri="{FF2B5EF4-FFF2-40B4-BE49-F238E27FC236}">
+                <a16:creationId xmlns:a16="http://schemas.microsoft.com/office/drawing/2014/main" id="{1BE54AF5-E257-82CE-23EB-3A7247442C43}"/>
+              </a:ext>
+            </a:extLst>
+          </p:cNvPr>
+          <p:cNvSpPr txBox="1"/>
+          <p:nvPr/>
+        </p:nvSpPr>
+        <p:spPr>
+          <a:xfrm>
+            <a:off x="8749965" y="3158514"/>
+            <a:ext cx="2552700" cy="584775"/>
+          </a:xfrm>
+          <a:prstGeom prst="rect">
+            <a:avLst/>
+          </a:prstGeom>
+          <a:noFill/>
+        </p:spPr>
+        <p:txBody>
+          <a:bodyPr wrap="square" rtlCol="0">
+            <a:spAutoFit/>
+          </a:bodyPr>
+          <a:lstStyle/>
+          <a:p>
+            <a:pPr algn="ctr"/>
+            <a:r>
+              <a:rPr lang="ko-KR" altLang="en-US" sz="3200" b="1">
+                <a:solidFill>
+                  <a:schemeClr val="accent1">
+                    <a:lumMod val="50000"/>
+                  </a:schemeClr>
+                </a:solidFill>
+                <a:latin typeface="맑은 고딕" panose="020B0503020000020004" pitchFamily="50" charset="-127"/>
+                <a:ea typeface="맑은 고딕" panose="020B0503020000020004" pitchFamily="50" charset="-127"/>
+              </a:rPr>
+              <a:t>업로드</a:t>
+            </a:r>
             <a:endParaRPr lang="ko-KR" altLang="en-US" sz="3200" b="1" dirty="0">
               <a:solidFill>
                 <a:schemeClr val="accent1">
@@ -2391,112 +2635,36 @@
           </a:p>
         </p:txBody>
       </p:sp>
-      <p:sp>
-        <p:nvSpPr>
-          <p:cNvPr id="12" name="TextBox 11">
-            <a:extLst>
-              <a:ext uri="{FF2B5EF4-FFF2-40B4-BE49-F238E27FC236}">
-                <a16:creationId xmlns:a16="http://schemas.microsoft.com/office/drawing/2014/main" xmlns="" id="{D83DC3D5-AD91-D8AB-C428-25FDAE44CB12}"/>
-              </a:ext>
-            </a:extLst>
-          </p:cNvPr>
-          <p:cNvSpPr txBox="1"/>
-          <p:nvPr/>
-        </p:nvSpPr>
-        <p:spPr>
-          <a:xfrm>
-            <a:off x="4610100" y="3173635"/>
-            <a:ext cx="2964180" cy="584775"/>
-          </a:xfrm>
-          <a:prstGeom prst="rect">
-            <a:avLst/>
-          </a:prstGeom>
-          <a:noFill/>
-        </p:spPr>
-        <p:txBody>
-          <a:bodyPr wrap="square" rtlCol="0">
-            <a:spAutoFit/>
-          </a:bodyPr>
-          <a:lstStyle/>
-          <a:p>
-            <a:pPr algn="ctr"/>
-            <a:r>
-              <a:rPr lang="ko-KR" altLang="en-US" sz="3200" b="1" dirty="0" smtClean="0">
-                <a:solidFill>
-                  <a:schemeClr val="accent1">
-                    <a:lumMod val="50000"/>
-                  </a:schemeClr>
-                </a:solidFill>
-                <a:latin typeface="맑은 고딕" panose="020B0503020000020004" pitchFamily="50" charset="-127"/>
-                <a:ea typeface="맑은 고딕" panose="020B0503020000020004" pitchFamily="50" charset="-127"/>
-              </a:rPr>
-              <a:t>구조</a:t>
-            </a:r>
-            <a:endParaRPr lang="ko-KR" altLang="en-US" sz="3200" b="1" dirty="0">
-              <a:solidFill>
-                <a:schemeClr val="accent1">
-                  <a:lumMod val="50000"/>
-                </a:schemeClr>
-              </a:solidFill>
-              <a:latin typeface="맑은 고딕" panose="020B0503020000020004" pitchFamily="50" charset="-127"/>
-              <a:ea typeface="맑은 고딕" panose="020B0503020000020004" pitchFamily="50" charset="-127"/>
-            </a:endParaRPr>
-          </a:p>
-        </p:txBody>
-      </p:sp>
-      <p:sp>
-        <p:nvSpPr>
-          <p:cNvPr id="13" name="TextBox 12">
-            <a:extLst>
-              <a:ext uri="{FF2B5EF4-FFF2-40B4-BE49-F238E27FC236}">
-                <a16:creationId xmlns:a16="http://schemas.microsoft.com/office/drawing/2014/main" xmlns="" id="{1BE54AF5-E257-82CE-23EB-3A7247442C43}"/>
-              </a:ext>
-            </a:extLst>
-          </p:cNvPr>
-          <p:cNvSpPr txBox="1"/>
-          <p:nvPr/>
-        </p:nvSpPr>
-        <p:spPr>
-          <a:xfrm>
-            <a:off x="8749965" y="3158514"/>
-            <a:ext cx="2552700" cy="584775"/>
-          </a:xfrm>
-          <a:prstGeom prst="rect">
-            <a:avLst/>
-          </a:prstGeom>
-          <a:noFill/>
-        </p:spPr>
-        <p:txBody>
-          <a:bodyPr wrap="square" rtlCol="0">
-            <a:spAutoFit/>
-          </a:bodyPr>
-          <a:lstStyle/>
-          <a:p>
-            <a:pPr algn="ctr"/>
-            <a:r>
-              <a:rPr lang="ko-KR" altLang="en-US" sz="3200" b="1" smtClean="0">
-                <a:solidFill>
-                  <a:schemeClr val="accent1">
-                    <a:lumMod val="50000"/>
-                  </a:schemeClr>
-                </a:solidFill>
-                <a:latin typeface="맑은 고딕" panose="020B0503020000020004" pitchFamily="50" charset="-127"/>
-                <a:ea typeface="맑은 고딕" panose="020B0503020000020004" pitchFamily="50" charset="-127"/>
-              </a:rPr>
-              <a:t>업로드</a:t>
-            </a:r>
-            <a:endParaRPr lang="ko-KR" altLang="en-US" sz="3200" b="1" dirty="0">
-              <a:solidFill>
-                <a:schemeClr val="accent1">
-                  <a:lumMod val="50000"/>
-                </a:schemeClr>
-              </a:solidFill>
-              <a:latin typeface="맑은 고딕" panose="020B0503020000020004" pitchFamily="50" charset="-127"/>
-              <a:ea typeface="맑은 고딕" panose="020B0503020000020004" pitchFamily="50" charset="-127"/>
-            </a:endParaRPr>
-          </a:p>
-        </p:txBody>
-      </p:sp>
+      <p:pic>
+        <p:nvPicPr>
+          <p:cNvPr id="4" name="그림 3">
+            <a:extLst>
+              <a:ext uri="{FF2B5EF4-FFF2-40B4-BE49-F238E27FC236}">
+                <a16:creationId xmlns:a16="http://schemas.microsoft.com/office/drawing/2014/main" id="{7743F436-9AD4-5006-48CF-F6C19925718D}"/>
+              </a:ext>
+            </a:extLst>
+          </p:cNvPr>
+          <p:cNvPicPr>
+            <a:picLocks noChangeAspect="1"/>
+          </p:cNvPicPr>
+          <p:nvPr/>
+        </p:nvPicPr>
+        <p:blipFill>
+          <a:blip r:embed="rId2"/>
+          <a:stretch>
+            <a:fillRect/>
+          </a:stretch>
+        </p:blipFill>
+        <p:spPr>
+          <a:xfrm>
+            <a:off x="10098657" y="6541383"/>
+            <a:ext cx="2038042" cy="220745"/>
+          </a:xfrm>
+          <a:prstGeom prst="rect">
+            <a:avLst/>
+          </a:prstGeom>
+        </p:spPr>
+      </p:pic>
     </p:spTree>
     <p:extLst>
       <p:ext uri="{BB962C8B-B14F-4D97-AF65-F5344CB8AC3E}">
@@ -2507,13 +2675,6 @@
   <p:clrMapOvr>
     <a:masterClrMapping/>
   </p:clrMapOvr>
-  <p:timing>
-    <p:tnLst>
-      <p:par>
-        <p:cTn id="1" dur="indefinite" restart="never" nodeType="tmRoot"/>
-      </p:par>
-    </p:tnLst>
-  </p:timing>
 </p:sld>
 </file>
 
@@ -2547,7 +2708,7 @@
           <p:cNvPr id="7" name="그룹 6">
             <a:extLst>
               <a:ext uri="{FF2B5EF4-FFF2-40B4-BE49-F238E27FC236}">
-                <a16:creationId xmlns:a16="http://schemas.microsoft.com/office/drawing/2014/main" xmlns="" id="{ADC16E78-8819-8219-C770-75C3BD1E4D45}"/>
+                <a16:creationId xmlns:a16="http://schemas.microsoft.com/office/drawing/2014/main" id="{ADC16E78-8819-8219-C770-75C3BD1E4D45}"/>
               </a:ext>
             </a:extLst>
           </p:cNvPr>
@@ -2567,7 +2728,7 @@
             <p:cNvPr id="2" name="TextBox 1">
               <a:extLst>
                 <a:ext uri="{FF2B5EF4-FFF2-40B4-BE49-F238E27FC236}">
-                  <a16:creationId xmlns:a16="http://schemas.microsoft.com/office/drawing/2014/main" xmlns="" id="{1E4D379F-0D7A-E10A-C2FD-B3F877B38412}"/>
+                  <a16:creationId xmlns:a16="http://schemas.microsoft.com/office/drawing/2014/main" id="{1E4D379F-0D7A-E10A-C2FD-B3F877B38412}"/>
                 </a:ext>
               </a:extLst>
             </p:cNvPr>
@@ -2615,7 +2776,7 @@
             <p:cNvPr id="3" name="TextBox 2">
               <a:extLst>
                 <a:ext uri="{FF2B5EF4-FFF2-40B4-BE49-F238E27FC236}">
-                  <a16:creationId xmlns:a16="http://schemas.microsoft.com/office/drawing/2014/main" xmlns="" id="{773F2969-8E1F-0403-B6B6-037C4B0D5DB2}"/>
+                  <a16:creationId xmlns:a16="http://schemas.microsoft.com/office/drawing/2014/main" id="{773F2969-8E1F-0403-B6B6-037C4B0D5DB2}"/>
                 </a:ext>
               </a:extLst>
             </p:cNvPr>
@@ -2639,7 +2800,7 @@
             <a:lstStyle/>
             <a:p>
               <a:r>
-                <a:rPr lang="ko-KR" altLang="en-US" sz="4800" b="1" spc="-300" dirty="0" smtClean="0">
+                <a:rPr lang="ko-KR" altLang="en-US" sz="4800" b="1" spc="-300" dirty="0">
                   <a:solidFill>
                     <a:schemeClr val="bg1"/>
                   </a:solidFill>
@@ -2648,13 +2809,6 @@
                 </a:rPr>
                 <a:t>홈페이지 주제</a:t>
               </a:r>
-              <a:endParaRPr lang="ko-KR" altLang="en-US" sz="4800" b="1" spc="-300" dirty="0">
-                <a:solidFill>
-                  <a:schemeClr val="bg1"/>
-                </a:solidFill>
-                <a:latin typeface="맑은 고딕" panose="020B0503020000020004" pitchFamily="50" charset="-127"/>
-                <a:ea typeface="맑은 고딕" panose="020B0503020000020004" pitchFamily="50" charset="-127"/>
-              </a:endParaRPr>
             </a:p>
           </p:txBody>
         </p:sp>
@@ -2663,7 +2817,7 @@
             <p:cNvPr id="4" name="직선 연결선 3">
               <a:extLst>
                 <a:ext uri="{FF2B5EF4-FFF2-40B4-BE49-F238E27FC236}">
-                  <a16:creationId xmlns:a16="http://schemas.microsoft.com/office/drawing/2014/main" xmlns="" id="{F9894119-F233-DC33-68F5-7374CF0E569E}"/>
+                  <a16:creationId xmlns:a16="http://schemas.microsoft.com/office/drawing/2014/main" id="{F9894119-F233-DC33-68F5-7374CF0E569E}"/>
                 </a:ext>
               </a:extLst>
             </p:cNvPr>
@@ -2706,7 +2860,7 @@
             <p:cNvPr id="6" name="직선 연결선 5">
               <a:extLst>
                 <a:ext uri="{FF2B5EF4-FFF2-40B4-BE49-F238E27FC236}">
-                  <a16:creationId xmlns:a16="http://schemas.microsoft.com/office/drawing/2014/main" xmlns="" id="{01021128-BA25-D6FF-656C-87D086ADE451}"/>
+                  <a16:creationId xmlns:a16="http://schemas.microsoft.com/office/drawing/2014/main" id="{01021128-BA25-D6FF-656C-87D086ADE451}"/>
                 </a:ext>
               </a:extLst>
             </p:cNvPr>
@@ -2745,6 +2899,36 @@
           </p:style>
         </p:cxnSp>
       </p:grpSp>
+      <p:pic>
+        <p:nvPicPr>
+          <p:cNvPr id="8" name="그림 7">
+            <a:extLst>
+              <a:ext uri="{FF2B5EF4-FFF2-40B4-BE49-F238E27FC236}">
+                <a16:creationId xmlns:a16="http://schemas.microsoft.com/office/drawing/2014/main" id="{088E88F3-9870-3FBE-2256-7CDE12FAF35E}"/>
+              </a:ext>
+            </a:extLst>
+          </p:cNvPr>
+          <p:cNvPicPr>
+            <a:picLocks noChangeAspect="1"/>
+          </p:cNvPicPr>
+          <p:nvPr/>
+        </p:nvPicPr>
+        <p:blipFill>
+          <a:blip r:embed="rId2"/>
+          <a:stretch>
+            <a:fillRect/>
+          </a:stretch>
+        </p:blipFill>
+        <p:spPr>
+          <a:xfrm>
+            <a:off x="10072410" y="6459656"/>
+            <a:ext cx="2019315" cy="276227"/>
+          </a:xfrm>
+          <a:prstGeom prst="rect">
+            <a:avLst/>
+          </a:prstGeom>
+        </p:spPr>
+      </p:pic>
     </p:spTree>
     <p:extLst>
       <p:ext uri="{BB962C8B-B14F-4D97-AF65-F5344CB8AC3E}">
@@ -2755,13 +2939,6 @@
   <p:clrMapOvr>
     <a:masterClrMapping/>
   </p:clrMapOvr>
-  <p:timing>
-    <p:tnLst>
-      <p:par>
-        <p:cTn id="1" dur="indefinite" restart="never" nodeType="tmRoot"/>
-      </p:par>
-    </p:tnLst>
-  </p:timing>
 </p:sld>
 </file>
 
@@ -2787,7 +2964,7 @@
           <p:cNvPr id="3" name="직선 연결선 2">
             <a:extLst>
               <a:ext uri="{FF2B5EF4-FFF2-40B4-BE49-F238E27FC236}">
-                <a16:creationId xmlns:a16="http://schemas.microsoft.com/office/drawing/2014/main" xmlns="" id="{E3FBA607-E7FC-B7F8-2868-BC448F31F790}"/>
+                <a16:creationId xmlns:a16="http://schemas.microsoft.com/office/drawing/2014/main" id="{E3FBA607-E7FC-B7F8-2868-BC448F31F790}"/>
               </a:ext>
             </a:extLst>
           </p:cNvPr>
@@ -2828,7 +3005,7 @@
           <p:cNvPr id="4" name="TextBox 3">
             <a:extLst>
               <a:ext uri="{FF2B5EF4-FFF2-40B4-BE49-F238E27FC236}">
-                <a16:creationId xmlns:a16="http://schemas.microsoft.com/office/drawing/2014/main" xmlns="" id="{B8326A7D-F71C-ED1C-CBFD-93F557654D2A}"/>
+                <a16:creationId xmlns:a16="http://schemas.microsoft.com/office/drawing/2014/main" id="{B8326A7D-F71C-ED1C-CBFD-93F557654D2A}"/>
               </a:ext>
             </a:extLst>
           </p:cNvPr>
@@ -2876,7 +3053,7 @@
           <p:cNvPr id="5" name="TextBox 4">
             <a:extLst>
               <a:ext uri="{FF2B5EF4-FFF2-40B4-BE49-F238E27FC236}">
-                <a16:creationId xmlns:a16="http://schemas.microsoft.com/office/drawing/2014/main" xmlns="" id="{3251639B-29EB-6E9D-733B-6F917838F571}"/>
+                <a16:creationId xmlns:a16="http://schemas.microsoft.com/office/drawing/2014/main" id="{3251639B-29EB-6E9D-733B-6F917838F571}"/>
               </a:ext>
             </a:extLst>
           </p:cNvPr>
@@ -2886,7 +3063,7 @@
         <p:spPr>
           <a:xfrm>
             <a:off x="1163052" y="272716"/>
-            <a:ext cx="2196435" cy="523220"/>
+            <a:ext cx="3246402" cy="523220"/>
           </a:xfrm>
           <a:prstGeom prst="rect">
             <a:avLst/>
@@ -2900,22 +3077,15 @@
           <a:lstStyle/>
           <a:p>
             <a:r>
-              <a:rPr lang="ko-KR" altLang="en-US" sz="2800" b="1" spc="-300" dirty="0" smtClean="0">
+              <a:rPr lang="ko-KR" altLang="en-US" sz="2800" b="1" spc="-300" dirty="0">
                 <a:solidFill>
                   <a:schemeClr val="accent1"/>
                 </a:solidFill>
                 <a:latin typeface="맑은 고딕" panose="020B0503020000020004" pitchFamily="50" charset="-127"/>
                 <a:ea typeface="맑은 고딕" panose="020B0503020000020004" pitchFamily="50" charset="-127"/>
               </a:rPr>
-              <a:t>홈페이지 주제</a:t>
-            </a:r>
-            <a:endParaRPr lang="ko-KR" altLang="en-US" sz="2800" b="1" spc="-300" dirty="0">
-              <a:solidFill>
-                <a:schemeClr val="accent1"/>
-              </a:solidFill>
-              <a:latin typeface="맑은 고딕" panose="020B0503020000020004" pitchFamily="50" charset="-127"/>
-              <a:ea typeface="맑은 고딕" panose="020B0503020000020004" pitchFamily="50" charset="-127"/>
-            </a:endParaRPr>
+              <a:t>홈페이지 주제 정하기</a:t>
+            </a:r>
           </a:p>
         </p:txBody>
       </p:sp>
@@ -2924,7 +3094,7 @@
           <p:cNvPr id="6" name="직선 연결선 5">
             <a:extLst>
               <a:ext uri="{FF2B5EF4-FFF2-40B4-BE49-F238E27FC236}">
-                <a16:creationId xmlns:a16="http://schemas.microsoft.com/office/drawing/2014/main" xmlns="" id="{227D3D02-66A7-B0C0-2CF2-A0900C18861C}"/>
+                <a16:creationId xmlns:a16="http://schemas.microsoft.com/office/drawing/2014/main" id="{227D3D02-66A7-B0C0-2CF2-A0900C18861C}"/>
               </a:ext>
             </a:extLst>
           </p:cNvPr>
@@ -2965,7 +3135,7 @@
           <p:cNvPr id="2" name="직사각형 1">
             <a:extLst>
               <a:ext uri="{FF2B5EF4-FFF2-40B4-BE49-F238E27FC236}">
-                <a16:creationId xmlns:a16="http://schemas.microsoft.com/office/drawing/2014/main" xmlns="" id="{B3BB2C81-2C36-BFAF-F8BF-91BC4B766C18}"/>
+                <a16:creationId xmlns:a16="http://schemas.microsoft.com/office/drawing/2014/main" id="{B3BB2C81-2C36-BFAF-F8BF-91BC4B766C18}"/>
               </a:ext>
             </a:extLst>
           </p:cNvPr>
@@ -3020,7 +3190,7 @@
           <p:cNvPr id="23" name="TextBox 22">
             <a:extLst>
               <a:ext uri="{FF2B5EF4-FFF2-40B4-BE49-F238E27FC236}">
-                <a16:creationId xmlns:a16="http://schemas.microsoft.com/office/drawing/2014/main" xmlns="" id="{7353C824-937A-E110-963F-5F8649640E2E}"/>
+                <a16:creationId xmlns:a16="http://schemas.microsoft.com/office/drawing/2014/main" id="{7353C824-937A-E110-963F-5F8649640E2E}"/>
               </a:ext>
             </a:extLst>
           </p:cNvPr>
@@ -3045,16 +3215,12 @@
           <a:p>
             <a:pPr algn="ctr"/>
             <a:r>
-              <a:rPr lang="ko-KR" altLang="en-US" sz="2000" dirty="0" smtClean="0">
+              <a:rPr lang="ko-KR" altLang="en-US" sz="2000" dirty="0">
                 <a:latin typeface="맑은 고딕" panose="020B0503020000020004" pitchFamily="50" charset="-127"/>
                 <a:ea typeface="맑은 고딕" panose="020B0503020000020004" pitchFamily="50" charset="-127"/>
               </a:rPr>
               <a:t>학업</a:t>
             </a:r>
-            <a:endParaRPr lang="ko-KR" altLang="en-US" sz="2000" dirty="0">
-              <a:latin typeface="맑은 고딕" panose="020B0503020000020004" pitchFamily="50" charset="-127"/>
-              <a:ea typeface="맑은 고딕" panose="020B0503020000020004" pitchFamily="50" charset="-127"/>
-            </a:endParaRPr>
           </a:p>
         </p:txBody>
       </p:sp>
@@ -3135,7 +3301,7 @@
           <p:cNvPr id="26" name="직사각형 25">
             <a:extLst>
               <a:ext uri="{FF2B5EF4-FFF2-40B4-BE49-F238E27FC236}">
-                <a16:creationId xmlns:a16="http://schemas.microsoft.com/office/drawing/2014/main" xmlns="" id="{B3BB2C81-2C36-BFAF-F8BF-91BC4B766C18}"/>
+                <a16:creationId xmlns:a16="http://schemas.microsoft.com/office/drawing/2014/main" id="{B3BB2C81-2C36-BFAF-F8BF-91BC4B766C18}"/>
               </a:ext>
             </a:extLst>
           </p:cNvPr>
@@ -3144,7 +3310,7 @@
         </p:nvSpPr>
         <p:spPr>
           <a:xfrm>
-            <a:off x="6589566" y="2069738"/>
+            <a:off x="6681017" y="2069738"/>
             <a:ext cx="1859054" cy="3209480"/>
           </a:xfrm>
           <a:prstGeom prst="rect">
@@ -3190,7 +3356,7 @@
           <p:cNvPr id="27" name="TextBox 26">
             <a:extLst>
               <a:ext uri="{FF2B5EF4-FFF2-40B4-BE49-F238E27FC236}">
-                <a16:creationId xmlns:a16="http://schemas.microsoft.com/office/drawing/2014/main" xmlns="" id="{7353C824-937A-E110-963F-5F8649640E2E}"/>
+                <a16:creationId xmlns:a16="http://schemas.microsoft.com/office/drawing/2014/main" id="{7353C824-937A-E110-963F-5F8649640E2E}"/>
               </a:ext>
             </a:extLst>
           </p:cNvPr>
@@ -3214,24 +3380,13 @@
           <a:lstStyle/>
           <a:p>
             <a:pPr algn="ctr"/>
-            <a:r>
-              <a:rPr lang="ko-KR" altLang="en-US" sz="2000" dirty="0" smtClean="0">
-                <a:latin typeface="맑은 고딕" panose="020B0503020000020004" pitchFamily="50" charset="-127"/>
-                <a:ea typeface="맑은 고딕" panose="020B0503020000020004" pitchFamily="50" charset="-127"/>
-              </a:rPr>
-              <a:t>일</a:t>
-            </a:r>
             <a:r>
               <a:rPr lang="ko-KR" altLang="en-US" sz="2000" dirty="0">
                 <a:latin typeface="맑은 고딕" panose="020B0503020000020004" pitchFamily="50" charset="-127"/>
                 <a:ea typeface="맑은 고딕" panose="020B0503020000020004" pitchFamily="50" charset="-127"/>
               </a:rPr>
-              <a:t>상</a:t>
-            </a:r>
-            <a:endParaRPr lang="ko-KR" altLang="en-US" sz="2000" dirty="0">
-              <a:latin typeface="맑은 고딕" panose="020B0503020000020004" pitchFamily="50" charset="-127"/>
-              <a:ea typeface="맑은 고딕" panose="020B0503020000020004" pitchFamily="50" charset="-127"/>
-            </a:endParaRPr>
+              <a:t>일상</a:t>
+            </a:r>
           </a:p>
         </p:txBody>
       </p:sp>
@@ -3276,7 +3431,7 @@
           <p:cNvPr id="29" name="직사각형 28">
             <a:extLst>
               <a:ext uri="{FF2B5EF4-FFF2-40B4-BE49-F238E27FC236}">
-                <a16:creationId xmlns:a16="http://schemas.microsoft.com/office/drawing/2014/main" xmlns="" id="{B3BB2C81-2C36-BFAF-F8BF-91BC4B766C18}"/>
+                <a16:creationId xmlns:a16="http://schemas.microsoft.com/office/drawing/2014/main" id="{B3BB2C81-2C36-BFAF-F8BF-91BC4B766C18}"/>
               </a:ext>
             </a:extLst>
           </p:cNvPr>
@@ -3331,7 +3486,7 @@
           <p:cNvPr id="30" name="TextBox 29">
             <a:extLst>
               <a:ext uri="{FF2B5EF4-FFF2-40B4-BE49-F238E27FC236}">
-                <a16:creationId xmlns:a16="http://schemas.microsoft.com/office/drawing/2014/main" xmlns="" id="{7353C824-937A-E110-963F-5F8649640E2E}"/>
+                <a16:creationId xmlns:a16="http://schemas.microsoft.com/office/drawing/2014/main" id="{7353C824-937A-E110-963F-5F8649640E2E}"/>
               </a:ext>
             </a:extLst>
           </p:cNvPr>
@@ -3355,24 +3510,13 @@
           <a:lstStyle/>
           <a:p>
             <a:pPr algn="ctr"/>
-            <a:r>
-              <a:rPr lang="ko-KR" altLang="en-US" sz="2000" dirty="0" smtClean="0">
-                <a:latin typeface="맑은 고딕" panose="020B0503020000020004" pitchFamily="50" charset="-127"/>
-                <a:ea typeface="맑은 고딕" panose="020B0503020000020004" pitchFamily="50" charset="-127"/>
-              </a:rPr>
-              <a:t>미</a:t>
-            </a:r>
             <a:r>
               <a:rPr lang="ko-KR" altLang="en-US" sz="2000" dirty="0">
                 <a:latin typeface="맑은 고딕" panose="020B0503020000020004" pitchFamily="50" charset="-127"/>
                 <a:ea typeface="맑은 고딕" panose="020B0503020000020004" pitchFamily="50" charset="-127"/>
               </a:rPr>
-              <a:t>래</a:t>
-            </a:r>
-            <a:endParaRPr lang="ko-KR" altLang="en-US" sz="2000" dirty="0">
-              <a:latin typeface="맑은 고딕" panose="020B0503020000020004" pitchFamily="50" charset="-127"/>
-              <a:ea typeface="맑은 고딕" panose="020B0503020000020004" pitchFamily="50" charset="-127"/>
-            </a:endParaRPr>
+              <a:t>미래</a:t>
+            </a:r>
           </a:p>
         </p:txBody>
       </p:sp>
@@ -3381,7 +3525,7 @@
           <p:cNvPr id="31" name="직사각형 30">
             <a:extLst>
               <a:ext uri="{FF2B5EF4-FFF2-40B4-BE49-F238E27FC236}">
-                <a16:creationId xmlns:a16="http://schemas.microsoft.com/office/drawing/2014/main" xmlns="" id="{B3BB2C81-2C36-BFAF-F8BF-91BC4B766C18}"/>
+                <a16:creationId xmlns:a16="http://schemas.microsoft.com/office/drawing/2014/main" id="{B3BB2C81-2C36-BFAF-F8BF-91BC4B766C18}"/>
               </a:ext>
             </a:extLst>
           </p:cNvPr>
@@ -3436,7 +3580,7 @@
           <p:cNvPr id="32" name="TextBox 31">
             <a:extLst>
               <a:ext uri="{FF2B5EF4-FFF2-40B4-BE49-F238E27FC236}">
-                <a16:creationId xmlns:a16="http://schemas.microsoft.com/office/drawing/2014/main" xmlns="" id="{7353C824-937A-E110-963F-5F8649640E2E}"/>
+                <a16:creationId xmlns:a16="http://schemas.microsoft.com/office/drawing/2014/main" id="{7353C824-937A-E110-963F-5F8649640E2E}"/>
               </a:ext>
             </a:extLst>
           </p:cNvPr>
@@ -3460,27 +3604,46 @@
           <a:lstStyle/>
           <a:p>
             <a:pPr algn="ctr"/>
-            <a:r>
-              <a:rPr lang="ko-KR" altLang="en-US" sz="2000" dirty="0" smtClean="0">
-                <a:latin typeface="맑은 고딕" panose="020B0503020000020004" pitchFamily="50" charset="-127"/>
-                <a:ea typeface="맑은 고딕" panose="020B0503020000020004" pitchFamily="50" charset="-127"/>
-              </a:rPr>
-              <a:t>직</a:t>
-            </a:r>
             <a:r>
               <a:rPr lang="ko-KR" altLang="en-US" sz="2000" dirty="0">
                 <a:latin typeface="맑은 고딕" panose="020B0503020000020004" pitchFamily="50" charset="-127"/>
                 <a:ea typeface="맑은 고딕" panose="020B0503020000020004" pitchFamily="50" charset="-127"/>
               </a:rPr>
-              <a:t>장</a:t>
-            </a:r>
-            <a:endParaRPr lang="ko-KR" altLang="en-US" sz="2000" dirty="0">
-              <a:latin typeface="맑은 고딕" panose="020B0503020000020004" pitchFamily="50" charset="-127"/>
-              <a:ea typeface="맑은 고딕" panose="020B0503020000020004" pitchFamily="50" charset="-127"/>
-            </a:endParaRPr>
-          </a:p>
-        </p:txBody>
-      </p:sp>
+              <a:t>직장</a:t>
+            </a:r>
+          </a:p>
+        </p:txBody>
+      </p:sp>
+      <p:pic>
+        <p:nvPicPr>
+          <p:cNvPr id="9" name="그림 8">
+            <a:extLst>
+              <a:ext uri="{FF2B5EF4-FFF2-40B4-BE49-F238E27FC236}">
+                <a16:creationId xmlns:a16="http://schemas.microsoft.com/office/drawing/2014/main" id="{AAC233A6-2C0A-3E5A-DEC5-7822BAFB8541}"/>
+              </a:ext>
+            </a:extLst>
+          </p:cNvPr>
+          <p:cNvPicPr>
+            <a:picLocks noChangeAspect="1"/>
+          </p:cNvPicPr>
+          <p:nvPr/>
+        </p:nvPicPr>
+        <p:blipFill>
+          <a:blip r:embed="rId6"/>
+          <a:stretch>
+            <a:fillRect/>
+          </a:stretch>
+        </p:blipFill>
+        <p:spPr>
+          <a:xfrm>
+            <a:off x="10121661" y="6507077"/>
+            <a:ext cx="1988666" cy="199866"/>
+          </a:xfrm>
+          <a:prstGeom prst="rect">
+            <a:avLst/>
+          </a:prstGeom>
+        </p:spPr>
+      </p:pic>
     </p:spTree>
     <p:extLst>
       <p:ext uri="{BB962C8B-B14F-4D97-AF65-F5344CB8AC3E}">
@@ -3491,13 +3654,6 @@
   <p:clrMapOvr>
     <a:masterClrMapping/>
   </p:clrMapOvr>
-  <p:timing>
-    <p:tnLst>
-      <p:par>
-        <p:cTn id="1" dur="indefinite" restart="never" nodeType="tmRoot"/>
-      </p:par>
-    </p:tnLst>
-  </p:timing>
 </p:sld>
 </file>
 
@@ -3531,7 +3687,7 @@
           <p:cNvPr id="7" name="그룹 6">
             <a:extLst>
               <a:ext uri="{FF2B5EF4-FFF2-40B4-BE49-F238E27FC236}">
-                <a16:creationId xmlns:a16="http://schemas.microsoft.com/office/drawing/2014/main" xmlns="" id="{ADC16E78-8819-8219-C770-75C3BD1E4D45}"/>
+                <a16:creationId xmlns:a16="http://schemas.microsoft.com/office/drawing/2014/main" id="{ADC16E78-8819-8219-C770-75C3BD1E4D45}"/>
               </a:ext>
             </a:extLst>
           </p:cNvPr>
@@ -3551,7 +3707,7 @@
             <p:cNvPr id="2" name="TextBox 1">
               <a:extLst>
                 <a:ext uri="{FF2B5EF4-FFF2-40B4-BE49-F238E27FC236}">
-                  <a16:creationId xmlns:a16="http://schemas.microsoft.com/office/drawing/2014/main" xmlns="" id="{1E4D379F-0D7A-E10A-C2FD-B3F877B38412}"/>
+                  <a16:creationId xmlns:a16="http://schemas.microsoft.com/office/drawing/2014/main" id="{1E4D379F-0D7A-E10A-C2FD-B3F877B38412}"/>
                 </a:ext>
               </a:extLst>
             </p:cNvPr>
@@ -3599,7 +3755,7 @@
             <p:cNvPr id="3" name="TextBox 2">
               <a:extLst>
                 <a:ext uri="{FF2B5EF4-FFF2-40B4-BE49-F238E27FC236}">
-                  <a16:creationId xmlns:a16="http://schemas.microsoft.com/office/drawing/2014/main" xmlns="" id="{773F2969-8E1F-0403-B6B6-037C4B0D5DB2}"/>
+                  <a16:creationId xmlns:a16="http://schemas.microsoft.com/office/drawing/2014/main" id="{773F2969-8E1F-0403-B6B6-037C4B0D5DB2}"/>
                 </a:ext>
               </a:extLst>
             </p:cNvPr>
@@ -3623,7 +3779,7 @@
             <a:lstStyle/>
             <a:p>
               <a:r>
-                <a:rPr lang="ko-KR" altLang="en-US" sz="4800" b="1" spc="-300" dirty="0" smtClean="0">
+                <a:rPr lang="ko-KR" altLang="en-US" sz="4800" b="1" spc="-300" dirty="0">
                   <a:solidFill>
                     <a:schemeClr val="bg1"/>
                   </a:solidFill>
@@ -3632,13 +3788,6 @@
                 </a:rPr>
                 <a:t>홈페이지 구조</a:t>
               </a:r>
-              <a:endParaRPr lang="ko-KR" altLang="en-US" sz="4800" b="1" spc="-300" dirty="0">
-                <a:solidFill>
-                  <a:schemeClr val="bg1"/>
-                </a:solidFill>
-                <a:latin typeface="맑은 고딕" panose="020B0503020000020004" pitchFamily="50" charset="-127"/>
-                <a:ea typeface="맑은 고딕" panose="020B0503020000020004" pitchFamily="50" charset="-127"/>
-              </a:endParaRPr>
             </a:p>
           </p:txBody>
         </p:sp>
@@ -3647,7 +3796,7 @@
             <p:cNvPr id="4" name="직선 연결선 3">
               <a:extLst>
                 <a:ext uri="{FF2B5EF4-FFF2-40B4-BE49-F238E27FC236}">
-                  <a16:creationId xmlns:a16="http://schemas.microsoft.com/office/drawing/2014/main" xmlns="" id="{F9894119-F233-DC33-68F5-7374CF0E569E}"/>
+                  <a16:creationId xmlns:a16="http://schemas.microsoft.com/office/drawing/2014/main" id="{F9894119-F233-DC33-68F5-7374CF0E569E}"/>
                 </a:ext>
               </a:extLst>
             </p:cNvPr>
@@ -3690,7 +3839,7 @@
             <p:cNvPr id="6" name="직선 연결선 5">
               <a:extLst>
                 <a:ext uri="{FF2B5EF4-FFF2-40B4-BE49-F238E27FC236}">
-                  <a16:creationId xmlns:a16="http://schemas.microsoft.com/office/drawing/2014/main" xmlns="" id="{01021128-BA25-D6FF-656C-87D086ADE451}"/>
+                  <a16:creationId xmlns:a16="http://schemas.microsoft.com/office/drawing/2014/main" id="{01021128-BA25-D6FF-656C-87D086ADE451}"/>
                 </a:ext>
               </a:extLst>
             </p:cNvPr>
@@ -3729,6 +3878,36 @@
           </p:style>
         </p:cxnSp>
       </p:grpSp>
+      <p:pic>
+        <p:nvPicPr>
+          <p:cNvPr id="5" name="그림 4">
+            <a:extLst>
+              <a:ext uri="{FF2B5EF4-FFF2-40B4-BE49-F238E27FC236}">
+                <a16:creationId xmlns:a16="http://schemas.microsoft.com/office/drawing/2014/main" id="{3BA340B9-A32B-C04E-A351-FCDAD5CCCD5B}"/>
+              </a:ext>
+            </a:extLst>
+          </p:cNvPr>
+          <p:cNvPicPr>
+            <a:picLocks noChangeAspect="1"/>
+          </p:cNvPicPr>
+          <p:nvPr/>
+        </p:nvPicPr>
+        <p:blipFill>
+          <a:blip r:embed="rId2"/>
+          <a:stretch>
+            <a:fillRect/>
+          </a:stretch>
+        </p:blipFill>
+        <p:spPr>
+          <a:xfrm>
+            <a:off x="10072410" y="6459656"/>
+            <a:ext cx="2019315" cy="276227"/>
+          </a:xfrm>
+          <a:prstGeom prst="rect">
+            <a:avLst/>
+          </a:prstGeom>
+        </p:spPr>
+      </p:pic>
     </p:spTree>
     <p:extLst>
       <p:ext uri="{BB962C8B-B14F-4D97-AF65-F5344CB8AC3E}">
@@ -3739,13 +3918,6 @@
   <p:clrMapOvr>
     <a:masterClrMapping/>
   </p:clrMapOvr>
-  <p:timing>
-    <p:tnLst>
-      <p:par>
-        <p:cTn id="1" dur="indefinite" restart="never" nodeType="tmRoot"/>
-      </p:par>
-    </p:tnLst>
-  </p:timing>
 </p:sld>
 </file>
 
@@ -3771,7 +3943,7 @@
           <p:cNvPr id="3" name="직선 연결선 2">
             <a:extLst>
               <a:ext uri="{FF2B5EF4-FFF2-40B4-BE49-F238E27FC236}">
-                <a16:creationId xmlns:a16="http://schemas.microsoft.com/office/drawing/2014/main" xmlns="" id="{E3FBA607-E7FC-B7F8-2868-BC448F31F790}"/>
+                <a16:creationId xmlns:a16="http://schemas.microsoft.com/office/drawing/2014/main" id="{E3FBA607-E7FC-B7F8-2868-BC448F31F790}"/>
               </a:ext>
             </a:extLst>
           </p:cNvPr>
@@ -3812,7 +3984,7 @@
           <p:cNvPr id="4" name="TextBox 3">
             <a:extLst>
               <a:ext uri="{FF2B5EF4-FFF2-40B4-BE49-F238E27FC236}">
-                <a16:creationId xmlns:a16="http://schemas.microsoft.com/office/drawing/2014/main" xmlns="" id="{B8326A7D-F71C-ED1C-CBFD-93F557654D2A}"/>
+                <a16:creationId xmlns:a16="http://schemas.microsoft.com/office/drawing/2014/main" id="{B8326A7D-F71C-ED1C-CBFD-93F557654D2A}"/>
               </a:ext>
             </a:extLst>
           </p:cNvPr>
@@ -3860,7 +4032,7 @@
           <p:cNvPr id="5" name="TextBox 4">
             <a:extLst>
               <a:ext uri="{FF2B5EF4-FFF2-40B4-BE49-F238E27FC236}">
-                <a16:creationId xmlns:a16="http://schemas.microsoft.com/office/drawing/2014/main" xmlns="" id="{3251639B-29EB-6E9D-733B-6F917838F571}"/>
+                <a16:creationId xmlns:a16="http://schemas.microsoft.com/office/drawing/2014/main" id="{3251639B-29EB-6E9D-733B-6F917838F571}"/>
               </a:ext>
             </a:extLst>
           </p:cNvPr>
@@ -3870,7 +4042,7 @@
         <p:spPr>
           <a:xfrm>
             <a:off x="1163052" y="272716"/>
-            <a:ext cx="2196435" cy="523220"/>
+            <a:ext cx="2925801" cy="523220"/>
           </a:xfrm>
           <a:prstGeom prst="rect">
             <a:avLst/>
@@ -3884,22 +4056,15 @@
           <a:lstStyle/>
           <a:p>
             <a:r>
-              <a:rPr lang="ko-KR" altLang="en-US" sz="2800" b="1" spc="-300" dirty="0" smtClean="0">
+              <a:rPr lang="ko-KR" altLang="en-US" sz="2800" b="1" spc="-300" dirty="0">
                 <a:solidFill>
                   <a:schemeClr val="accent1"/>
                 </a:solidFill>
                 <a:latin typeface="맑은 고딕" panose="020B0503020000020004" pitchFamily="50" charset="-127"/>
                 <a:ea typeface="맑은 고딕" panose="020B0503020000020004" pitchFamily="50" charset="-127"/>
               </a:rPr>
-              <a:t>홈페이지 구조</a:t>
-            </a:r>
-            <a:endParaRPr lang="ko-KR" altLang="en-US" sz="2800" b="1" spc="-300" dirty="0">
-              <a:solidFill>
-                <a:schemeClr val="accent1"/>
-              </a:solidFill>
-              <a:latin typeface="맑은 고딕" panose="020B0503020000020004" pitchFamily="50" charset="-127"/>
-              <a:ea typeface="맑은 고딕" panose="020B0503020000020004" pitchFamily="50" charset="-127"/>
-            </a:endParaRPr>
+              <a:t>홈페이지 구조 설계</a:t>
+            </a:r>
           </a:p>
         </p:txBody>
       </p:sp>
@@ -3908,7 +4073,7 @@
           <p:cNvPr id="6" name="직선 연결선 5">
             <a:extLst>
               <a:ext uri="{FF2B5EF4-FFF2-40B4-BE49-F238E27FC236}">
-                <a16:creationId xmlns:a16="http://schemas.microsoft.com/office/drawing/2014/main" xmlns="" id="{227D3D02-66A7-B0C0-2CF2-A0900C18861C}"/>
+                <a16:creationId xmlns:a16="http://schemas.microsoft.com/office/drawing/2014/main" id="{227D3D02-66A7-B0C0-2CF2-A0900C18861C}"/>
               </a:ext>
             </a:extLst>
           </p:cNvPr>
@@ -4009,7 +4174,7 @@
           <a:lstStyle/>
           <a:p>
             <a:r>
-              <a:rPr lang="en-US" altLang="ko-KR" dirty="0" smtClean="0"/>
+              <a:rPr lang="en-US" altLang="ko-KR" dirty="0"/>
               <a:t>head</a:t>
             </a:r>
             <a:endParaRPr lang="ko-KR" altLang="en-US" dirty="0"/>
@@ -4081,7 +4246,7 @@
           <a:lstStyle/>
           <a:p>
             <a:r>
-              <a:rPr lang="en-US" altLang="ko-KR" dirty="0" smtClean="0"/>
+              <a:rPr lang="en-US" altLang="ko-KR" dirty="0"/>
               <a:t>body</a:t>
             </a:r>
             <a:endParaRPr lang="ko-KR" altLang="en-US" dirty="0"/>
@@ -4268,7 +4433,7 @@
           <a:lstStyle/>
           <a:p>
             <a:r>
-              <a:rPr lang="en-US" altLang="ko-KR" dirty="0" smtClean="0"/>
+              <a:rPr lang="en-US" altLang="ko-KR" dirty="0"/>
               <a:t>Header</a:t>
             </a:r>
             <a:endParaRPr lang="ko-KR" altLang="en-US" dirty="0"/>
@@ -4298,7 +4463,7 @@
           <a:lstStyle/>
           <a:p>
             <a:r>
-              <a:rPr lang="en-US" altLang="ko-KR" dirty="0" smtClean="0"/>
+              <a:rPr lang="en-US" altLang="ko-KR" dirty="0"/>
               <a:t>Section</a:t>
             </a:r>
             <a:endParaRPr lang="ko-KR" altLang="en-US" dirty="0"/>
@@ -4328,7 +4493,7 @@
           <a:lstStyle/>
           <a:p>
             <a:r>
-              <a:rPr lang="en-US" altLang="ko-KR" dirty="0" smtClean="0"/>
+              <a:rPr lang="en-US" altLang="ko-KR" dirty="0"/>
               <a:t>footer</a:t>
             </a:r>
             <a:endParaRPr lang="ko-KR" altLang="en-US" dirty="0"/>
@@ -4400,7 +4565,7 @@
           <a:lstStyle/>
           <a:p>
             <a:r>
-              <a:rPr lang="en-US" altLang="ko-KR" dirty="0" smtClean="0"/>
+              <a:rPr lang="en-US" altLang="ko-KR" dirty="0"/>
               <a:t>LOGO</a:t>
             </a:r>
             <a:endParaRPr lang="ko-KR" altLang="en-US" dirty="0"/>
@@ -4472,7 +4637,7 @@
           <a:lstStyle/>
           <a:p>
             <a:r>
-              <a:rPr lang="en-US" altLang="ko-KR" dirty="0" smtClean="0"/>
+              <a:rPr lang="en-US" altLang="ko-KR" dirty="0"/>
               <a:t>NAV</a:t>
             </a:r>
             <a:endParaRPr lang="ko-KR" altLang="en-US" dirty="0"/>
@@ -4544,7 +4709,7 @@
           <a:lstStyle/>
           <a:p>
             <a:r>
-              <a:rPr lang="ko-KR" altLang="en-US" smtClean="0"/>
+              <a:rPr lang="ko-KR" altLang="en-US"/>
               <a:t>외부 링크</a:t>
             </a:r>
             <a:endParaRPr lang="ko-KR" altLang="en-US" dirty="0"/>
@@ -4613,6 +4778,36 @@
           </a:fontRef>
         </p:style>
       </p:cxnSp>
+      <p:pic>
+        <p:nvPicPr>
+          <p:cNvPr id="7" name="그림 6">
+            <a:extLst>
+              <a:ext uri="{FF2B5EF4-FFF2-40B4-BE49-F238E27FC236}">
+                <a16:creationId xmlns:a16="http://schemas.microsoft.com/office/drawing/2014/main" id="{9C8EF4AE-1010-DAE0-7423-14EA69742250}"/>
+              </a:ext>
+            </a:extLst>
+          </p:cNvPr>
+          <p:cNvPicPr>
+            <a:picLocks noChangeAspect="1"/>
+          </p:cNvPicPr>
+          <p:nvPr/>
+        </p:nvPicPr>
+        <p:blipFill>
+          <a:blip r:embed="rId2"/>
+          <a:stretch>
+            <a:fillRect/>
+          </a:stretch>
+        </p:blipFill>
+        <p:spPr>
+          <a:xfrm>
+            <a:off x="10121661" y="6507077"/>
+            <a:ext cx="1988666" cy="199866"/>
+          </a:xfrm>
+          <a:prstGeom prst="rect">
+            <a:avLst/>
+          </a:prstGeom>
+        </p:spPr>
+      </p:pic>
     </p:spTree>
     <p:extLst>
       <p:ext uri="{BB962C8B-B14F-4D97-AF65-F5344CB8AC3E}">
@@ -4623,13 +4818,6 @@
   <p:clrMapOvr>
     <a:masterClrMapping/>
   </p:clrMapOvr>
-  <p:timing>
-    <p:tnLst>
-      <p:par>
-        <p:cTn id="1" dur="indefinite" restart="never" nodeType="tmRoot"/>
-      </p:par>
-    </p:tnLst>
-  </p:timing>
 </p:sld>
 </file>
 
@@ -4639,7 +4827,7 @@
     <p:bg>
       <p:bgPr>
         <a:solidFill>
-          <a:schemeClr val="accent2"/>
+          <a:schemeClr val="accent1"/>
         </a:solidFill>
         <a:effectLst/>
       </p:bgPr>
@@ -4663,7 +4851,7 @@
           <p:cNvPr id="7" name="그룹 6">
             <a:extLst>
               <a:ext uri="{FF2B5EF4-FFF2-40B4-BE49-F238E27FC236}">
-                <a16:creationId xmlns:a16="http://schemas.microsoft.com/office/drawing/2014/main" xmlns="" id="{ADC16E78-8819-8219-C770-75C3BD1E4D45}"/>
+                <a16:creationId xmlns:a16="http://schemas.microsoft.com/office/drawing/2014/main" id="{ADC16E78-8819-8219-C770-75C3BD1E4D45}"/>
               </a:ext>
             </a:extLst>
           </p:cNvPr>
@@ -4683,7 +4871,7 @@
             <p:cNvPr id="2" name="TextBox 1">
               <a:extLst>
                 <a:ext uri="{FF2B5EF4-FFF2-40B4-BE49-F238E27FC236}">
-                  <a16:creationId xmlns:a16="http://schemas.microsoft.com/office/drawing/2014/main" xmlns="" id="{1E4D379F-0D7A-E10A-C2FD-B3F877B38412}"/>
+                  <a16:creationId xmlns:a16="http://schemas.microsoft.com/office/drawing/2014/main" id="{1E4D379F-0D7A-E10A-C2FD-B3F877B38412}"/>
                 </a:ext>
               </a:extLst>
             </p:cNvPr>
@@ -4706,22 +4894,53 @@
             </a:bodyPr>
             <a:lstStyle/>
             <a:p>
+              <a:pPr marL="0" marR="0" lvl="0" indent="0" algn="l" defTabSz="914400" rtl="0" eaLnBrk="1" fontAlgn="auto" latinLnBrk="1" hangingPunct="1">
+                <a:lnSpc>
+                  <a:spcPct val="100000"/>
+                </a:lnSpc>
+                <a:spcBef>
+                  <a:spcPts val="0"/>
+                </a:spcBef>
+                <a:spcAft>
+                  <a:spcPts val="0"/>
+                </a:spcAft>
+                <a:buClrTx/>
+                <a:buSzTx/>
+                <a:buFontTx/>
+                <a:buNone/>
+                <a:tabLst/>
+                <a:defRPr/>
+              </a:pPr>
               <a:r>
-                <a:rPr lang="en-US" altLang="ko-KR" sz="19900" b="1" dirty="0">
+                <a:rPr kumimoji="0" lang="en-US" altLang="ko-KR" sz="19900" b="1" i="0" u="none" strike="noStrike" kern="1200" cap="none" spc="0" normalizeH="0" baseline="0" noProof="0" dirty="0">
+                  <a:ln>
+                    <a:noFill/>
+                  </a:ln>
                   <a:solidFill>
-                    <a:schemeClr val="bg1"/>
+                    <a:prstClr val="white"/>
                   </a:solidFill>
-                  <a:latin typeface="맑은 고딕" panose="020B0503020000020004" pitchFamily="50" charset="-127"/>
-                  <a:ea typeface="맑은 고딕" panose="020B0503020000020004" pitchFamily="50" charset="-127"/>
+                  <a:effectLst/>
+                  <a:uLnTx/>
+                  <a:uFillTx/>
+                  <a:latin typeface="Pretendard Black"/>
+                  <a:ea typeface="+mj-ea"/>
+                  <a:cs typeface="+mn-cs"/>
                 </a:rPr>
                 <a:t>3</a:t>
               </a:r>
-              <a:endParaRPr lang="ko-KR" altLang="en-US" sz="19900" b="1" dirty="0">
+              <a:endParaRPr kumimoji="0" lang="ko-KR" altLang="en-US" sz="19900" b="1" i="0" u="none" strike="noStrike" kern="1200" cap="none" spc="0" normalizeH="0" baseline="0" noProof="0" dirty="0">
+                <a:ln>
+                  <a:noFill/>
+                </a:ln>
                 <a:solidFill>
-                  <a:schemeClr val="bg1"/>
+                  <a:prstClr val="white"/>
                 </a:solidFill>
-                <a:latin typeface="맑은 고딕" panose="020B0503020000020004" pitchFamily="50" charset="-127"/>
-                <a:ea typeface="맑은 고딕" panose="020B0503020000020004" pitchFamily="50" charset="-127"/>
+                <a:effectLst/>
+                <a:uLnTx/>
+                <a:uFillTx/>
+                <a:latin typeface="Pretendard Black"/>
+                <a:ea typeface="+mj-ea"/>
+                <a:cs typeface="+mn-cs"/>
               </a:endParaRPr>
             </a:p>
           </p:txBody>
@@ -4731,7 +4950,7 @@
             <p:cNvPr id="3" name="TextBox 2">
               <a:extLst>
                 <a:ext uri="{FF2B5EF4-FFF2-40B4-BE49-F238E27FC236}">
-                  <a16:creationId xmlns:a16="http://schemas.microsoft.com/office/drawing/2014/main" xmlns="" id="{773F2969-8E1F-0403-B6B6-037C4B0D5DB2}"/>
+                  <a16:creationId xmlns:a16="http://schemas.microsoft.com/office/drawing/2014/main" id="{773F2969-8E1F-0403-B6B6-037C4B0D5DB2}"/>
                 </a:ext>
               </a:extLst>
             </p:cNvPr>
@@ -4754,22 +4973,44 @@
             </a:bodyPr>
             <a:lstStyle/>
             <a:p>
+              <a:pPr marL="0" marR="0" lvl="0" indent="0" algn="l" defTabSz="914400" rtl="0" eaLnBrk="1" fontAlgn="auto" latinLnBrk="1" hangingPunct="1">
+                <a:lnSpc>
+                  <a:spcPct val="100000"/>
+                </a:lnSpc>
+                <a:spcBef>
+                  <a:spcPts val="0"/>
+                </a:spcBef>
+                <a:spcAft>
+                  <a:spcPts val="0"/>
+                </a:spcAft>
+                <a:buClrTx/>
+                <a:buSzTx/>
+                <a:buFontTx/>
+                <a:buNone/>
+                <a:tabLst/>
+                <a:defRPr/>
+              </a:pPr>
               <a:r>
-                <a:rPr lang="ko-KR" altLang="en-US" sz="4800" b="1" spc="-300" dirty="0" smtClean="0">
+                <a:rPr lang="ko-KR" altLang="en-US" sz="4800" b="1" spc="-300" dirty="0">
                   <a:solidFill>
-                    <a:schemeClr val="bg1"/>
+                    <a:prstClr val="white"/>
                   </a:solidFill>
-                  <a:latin typeface="맑은 고딕" panose="020B0503020000020004" pitchFamily="50" charset="-127"/>
-                  <a:ea typeface="맑은 고딕" panose="020B0503020000020004" pitchFamily="50" charset="-127"/>
+                  <a:latin typeface="Pretendard"/>
                 </a:rPr>
                 <a:t>업로드</a:t>
               </a:r>
-              <a:endParaRPr lang="ko-KR" altLang="en-US" sz="4800" b="1" spc="-300" dirty="0">
+              <a:endParaRPr kumimoji="0" lang="ko-KR" altLang="en-US" sz="4800" b="1" i="0" u="none" strike="noStrike" kern="1200" cap="none" spc="-300" normalizeH="0" baseline="0" noProof="0" dirty="0">
+                <a:ln>
+                  <a:noFill/>
+                </a:ln>
                 <a:solidFill>
-                  <a:schemeClr val="bg1"/>
+                  <a:prstClr val="white"/>
                 </a:solidFill>
-                <a:latin typeface="맑은 고딕" panose="020B0503020000020004" pitchFamily="50" charset="-127"/>
-                <a:ea typeface="맑은 고딕" panose="020B0503020000020004" pitchFamily="50" charset="-127"/>
+                <a:effectLst/>
+                <a:uLnTx/>
+                <a:uFillTx/>
+                <a:latin typeface="Pretendard"/>
+                <a:cs typeface="+mn-cs"/>
               </a:endParaRPr>
             </a:p>
           </p:txBody>
@@ -4779,7 +5020,7 @@
             <p:cNvPr id="4" name="직선 연결선 3">
               <a:extLst>
                 <a:ext uri="{FF2B5EF4-FFF2-40B4-BE49-F238E27FC236}">
-                  <a16:creationId xmlns:a16="http://schemas.microsoft.com/office/drawing/2014/main" xmlns="" id="{F9894119-F233-DC33-68F5-7374CF0E569E}"/>
+                  <a16:creationId xmlns:a16="http://schemas.microsoft.com/office/drawing/2014/main" id="{F9894119-F233-DC33-68F5-7374CF0E569E}"/>
                 </a:ext>
               </a:extLst>
             </p:cNvPr>
@@ -4822,7 +5063,7 @@
             <p:cNvPr id="6" name="직선 연결선 5">
               <a:extLst>
                 <a:ext uri="{FF2B5EF4-FFF2-40B4-BE49-F238E27FC236}">
-                  <a16:creationId xmlns:a16="http://schemas.microsoft.com/office/drawing/2014/main" xmlns="" id="{01021128-BA25-D6FF-656C-87D086ADE451}"/>
+                  <a16:creationId xmlns:a16="http://schemas.microsoft.com/office/drawing/2014/main" id="{01021128-BA25-D6FF-656C-87D086ADE451}"/>
                 </a:ext>
               </a:extLst>
             </p:cNvPr>
@@ -4861,23 +5102,46 @@
           </p:style>
         </p:cxnSp>
       </p:grpSp>
+      <p:pic>
+        <p:nvPicPr>
+          <p:cNvPr id="5" name="그림 4">
+            <a:extLst>
+              <a:ext uri="{FF2B5EF4-FFF2-40B4-BE49-F238E27FC236}">
+                <a16:creationId xmlns:a16="http://schemas.microsoft.com/office/drawing/2014/main" id="{8E87738C-0B92-46EA-7CCB-34391F835775}"/>
+              </a:ext>
+            </a:extLst>
+          </p:cNvPr>
+          <p:cNvPicPr>
+            <a:picLocks noChangeAspect="1"/>
+          </p:cNvPicPr>
+          <p:nvPr/>
+        </p:nvPicPr>
+        <p:blipFill>
+          <a:blip r:embed="rId2"/>
+          <a:stretch>
+            <a:fillRect/>
+          </a:stretch>
+        </p:blipFill>
+        <p:spPr>
+          <a:xfrm>
+            <a:off x="10081404" y="6308905"/>
+            <a:ext cx="2034404" cy="449264"/>
+          </a:xfrm>
+          <a:prstGeom prst="rect">
+            <a:avLst/>
+          </a:prstGeom>
+        </p:spPr>
+      </p:pic>
     </p:spTree>
     <p:extLst>
       <p:ext uri="{BB962C8B-B14F-4D97-AF65-F5344CB8AC3E}">
-        <p14:creationId xmlns:p14="http://schemas.microsoft.com/office/powerpoint/2010/main" val="3031738413"/>
+        <p14:creationId xmlns:p14="http://schemas.microsoft.com/office/powerpoint/2010/main" val="1482667059"/>
       </p:ext>
     </p:extLst>
   </p:cSld>
   <p:clrMapOvr>
     <a:masterClrMapping/>
   </p:clrMapOvr>
-  <p:timing>
-    <p:tnLst>
-      <p:par>
-        <p:cTn id="1" dur="indefinite" restart="never" nodeType="tmRoot"/>
-      </p:par>
-    </p:tnLst>
-  </p:timing>
 </p:sld>
 </file>
 
@@ -4903,7 +5167,7 @@
           <p:cNvPr id="3" name="직선 연결선 2">
             <a:extLst>
               <a:ext uri="{FF2B5EF4-FFF2-40B4-BE49-F238E27FC236}">
-                <a16:creationId xmlns:a16="http://schemas.microsoft.com/office/drawing/2014/main" xmlns="" id="{E3FBA607-E7FC-B7F8-2868-BC448F31F790}"/>
+                <a16:creationId xmlns:a16="http://schemas.microsoft.com/office/drawing/2014/main" id="{E3FBA607-E7FC-B7F8-2868-BC448F31F790}"/>
               </a:ext>
             </a:extLst>
           </p:cNvPr>
@@ -4944,7 +5208,7 @@
           <p:cNvPr id="4" name="TextBox 3">
             <a:extLst>
               <a:ext uri="{FF2B5EF4-FFF2-40B4-BE49-F238E27FC236}">
-                <a16:creationId xmlns:a16="http://schemas.microsoft.com/office/drawing/2014/main" xmlns="" id="{B8326A7D-F71C-ED1C-CBFD-93F557654D2A}"/>
+                <a16:creationId xmlns:a16="http://schemas.microsoft.com/office/drawing/2014/main" id="{B8326A7D-F71C-ED1C-CBFD-93F557654D2A}"/>
               </a:ext>
             </a:extLst>
           </p:cNvPr>
@@ -4975,17 +5239,7 @@
                 <a:latin typeface="맑은 고딕" panose="020B0503020000020004" pitchFamily="50" charset="-127"/>
                 <a:ea typeface="맑은 고딕" panose="020B0503020000020004" pitchFamily="50" charset="-127"/>
               </a:rPr>
-              <a:t>Part </a:t>
-            </a:r>
-            <a:r>
-              <a:rPr lang="en-US" altLang="ko-KR" sz="1600" dirty="0" smtClean="0">
-                <a:solidFill>
-                  <a:schemeClr val="accent1"/>
-                </a:solidFill>
-                <a:latin typeface="맑은 고딕" panose="020B0503020000020004" pitchFamily="50" charset="-127"/>
-                <a:ea typeface="맑은 고딕" panose="020B0503020000020004" pitchFamily="50" charset="-127"/>
-              </a:rPr>
-              <a:t>3</a:t>
+              <a:t>Part 3</a:t>
             </a:r>
             <a:endParaRPr lang="ko-KR" altLang="en-US" sz="1600" dirty="0">
               <a:solidFill>
@@ -5002,7 +5256,7 @@
           <p:cNvPr id="5" name="TextBox 4">
             <a:extLst>
               <a:ext uri="{FF2B5EF4-FFF2-40B4-BE49-F238E27FC236}">
-                <a16:creationId xmlns:a16="http://schemas.microsoft.com/office/drawing/2014/main" xmlns="" id="{3251639B-29EB-6E9D-733B-6F917838F571}"/>
+                <a16:creationId xmlns:a16="http://schemas.microsoft.com/office/drawing/2014/main" id="{3251639B-29EB-6E9D-733B-6F917838F571}"/>
               </a:ext>
             </a:extLst>
           </p:cNvPr>
@@ -5012,7 +5266,7 @@
         <p:spPr>
           <a:xfrm>
             <a:off x="1163052" y="272716"/>
-            <a:ext cx="1146468" cy="523220"/>
+            <a:ext cx="2196435" cy="523220"/>
           </a:xfrm>
           <a:prstGeom prst="rect">
             <a:avLst/>
@@ -5026,22 +5280,25 @@
           <a:lstStyle/>
           <a:p>
             <a:r>
-              <a:rPr lang="ko-KR" altLang="en-US" sz="2800" b="1" spc="-300" dirty="0" smtClean="0">
+              <a:rPr lang="ko-KR" altLang="en-US" sz="2800" b="1" spc="-300" dirty="0" err="1">
                 <a:solidFill>
                   <a:schemeClr val="accent1"/>
                 </a:solidFill>
                 <a:latin typeface="맑은 고딕" panose="020B0503020000020004" pitchFamily="50" charset="-127"/>
                 <a:ea typeface="맑은 고딕" panose="020B0503020000020004" pitchFamily="50" charset="-127"/>
               </a:rPr>
-              <a:t>업로드</a:t>
-            </a:r>
-            <a:endParaRPr lang="ko-KR" altLang="en-US" sz="2800" b="1" spc="-300" dirty="0">
-              <a:solidFill>
-                <a:schemeClr val="accent1"/>
-              </a:solidFill>
-              <a:latin typeface="맑은 고딕" panose="020B0503020000020004" pitchFamily="50" charset="-127"/>
-              <a:ea typeface="맑은 고딕" panose="020B0503020000020004" pitchFamily="50" charset="-127"/>
-            </a:endParaRPr>
+              <a:t>깃허브</a:t>
+            </a:r>
+            <a:r>
+              <a:rPr lang="ko-KR" altLang="en-US" sz="2800" b="1" spc="-300" dirty="0">
+                <a:solidFill>
+                  <a:schemeClr val="accent1"/>
+                </a:solidFill>
+                <a:latin typeface="맑은 고딕" panose="020B0503020000020004" pitchFamily="50" charset="-127"/>
+                <a:ea typeface="맑은 고딕" panose="020B0503020000020004" pitchFamily="50" charset="-127"/>
+              </a:rPr>
+              <a:t> 업로드</a:t>
+            </a:r>
           </a:p>
         </p:txBody>
       </p:sp>
@@ -5050,7 +5307,7 @@
           <p:cNvPr id="6" name="직선 연결선 5">
             <a:extLst>
               <a:ext uri="{FF2B5EF4-FFF2-40B4-BE49-F238E27FC236}">
-                <a16:creationId xmlns:a16="http://schemas.microsoft.com/office/drawing/2014/main" xmlns="" id="{227D3D02-66A7-B0C0-2CF2-A0900C18861C}"/>
+                <a16:creationId xmlns:a16="http://schemas.microsoft.com/office/drawing/2014/main" id="{227D3D02-66A7-B0C0-2CF2-A0900C18861C}"/>
               </a:ext>
             </a:extLst>
           </p:cNvPr>
@@ -5109,7 +5366,7 @@
         </p:blipFill>
         <p:spPr bwMode="auto">
           <a:xfrm>
-            <a:off x="2090699" y="1119565"/>
+            <a:off x="2458758" y="1407112"/>
             <a:ext cx="7596505" cy="3231671"/>
           </a:xfrm>
           <a:prstGeom prst="rect">
@@ -5160,8 +5417,83 @@
         </p:nvSpPr>
         <p:spPr>
           <a:xfrm>
-            <a:off x="5141275" y="4785131"/>
-            <a:ext cx="1646605" cy="369332"/>
+            <a:off x="4837279" y="4900149"/>
+            <a:ext cx="2839465" cy="369332"/>
+          </a:xfrm>
+          <a:prstGeom prst="rect">
+            <a:avLst/>
+          </a:prstGeom>
+          <a:noFill/>
+        </p:spPr>
+        <p:txBody>
+          <a:bodyPr wrap="square" rtlCol="0">
+            <a:spAutoFit/>
+          </a:bodyPr>
+          <a:lstStyle/>
+          <a:p>
+            <a:pPr algn="ctr"/>
+            <a:r>
+              <a:rPr lang="en-US" altLang="ko-KR" dirty="0">
+                <a:hlinkClick r:id="rId3"/>
+              </a:rPr>
+              <a:t>&gt;&gt; </a:t>
+            </a:r>
+            <a:r>
+              <a:rPr lang="ko-KR" altLang="en-US" dirty="0">
+                <a:hlinkClick r:id="rId3"/>
+              </a:rPr>
+              <a:t>홈페이지로 바로 이동</a:t>
+            </a:r>
+            <a:endParaRPr lang="ko-KR" altLang="en-US" dirty="0"/>
+          </a:p>
+        </p:txBody>
+      </p:sp>
+      <p:pic>
+        <p:nvPicPr>
+          <p:cNvPr id="2" name="그림 1">
+            <a:extLst>
+              <a:ext uri="{FF2B5EF4-FFF2-40B4-BE49-F238E27FC236}">
+                <a16:creationId xmlns:a16="http://schemas.microsoft.com/office/drawing/2014/main" id="{60694FDC-0BA6-42DE-82AA-C68BA3F39493}"/>
+              </a:ext>
+            </a:extLst>
+          </p:cNvPr>
+          <p:cNvPicPr>
+            <a:picLocks noChangeAspect="1"/>
+          </p:cNvPicPr>
+          <p:nvPr/>
+        </p:nvPicPr>
+        <p:blipFill>
+          <a:blip r:embed="rId4"/>
+          <a:stretch>
+            <a:fillRect/>
+          </a:stretch>
+        </p:blipFill>
+        <p:spPr>
+          <a:xfrm>
+            <a:off x="10121661" y="6507077"/>
+            <a:ext cx="1988666" cy="199866"/>
+          </a:xfrm>
+          <a:prstGeom prst="rect">
+            <a:avLst/>
+          </a:prstGeom>
+        </p:spPr>
+      </p:pic>
+      <p:sp>
+        <p:nvSpPr>
+          <p:cNvPr id="7" name="TextBox 6">
+            <a:extLst>
+              <a:ext uri="{FF2B5EF4-FFF2-40B4-BE49-F238E27FC236}">
+                <a16:creationId xmlns:a16="http://schemas.microsoft.com/office/drawing/2014/main" id="{67E31634-49CB-8720-9E94-7160E8C8E5DE}"/>
+              </a:ext>
+            </a:extLst>
+          </p:cNvPr>
+          <p:cNvSpPr txBox="1"/>
+          <p:nvPr/>
+        </p:nvSpPr>
+        <p:spPr>
+          <a:xfrm>
+            <a:off x="4428227" y="5346181"/>
+            <a:ext cx="3896451" cy="369332"/>
           </a:xfrm>
           <a:prstGeom prst="rect">
             <a:avLst/>
@@ -5175,10 +5507,8 @@
           <a:lstStyle/>
           <a:p>
             <a:r>
-              <a:rPr lang="ko-KR" altLang="en-US" dirty="0" smtClean="0">
-                <a:hlinkClick r:id="rId3"/>
-              </a:rPr>
-              <a:t>홈페이지 이동</a:t>
+              <a:rPr lang="en-US" altLang="ko-KR" dirty="0"/>
+              <a:t>https://busik-kang.github.io/index.html</a:t>
             </a:r>
             <a:endParaRPr lang="ko-KR" altLang="en-US" dirty="0"/>
           </a:p>
@@ -5194,13 +5524,6 @@
   <p:clrMapOvr>
     <a:masterClrMapping/>
   </p:clrMapOvr>
-  <p:timing>
-    <p:tnLst>
-      <p:par>
-        <p:cTn id="1" dur="indefinite" restart="never" nodeType="tmRoot"/>
-      </p:par>
-    </p:tnLst>
-  </p:timing>
 </p:sld>
 </file>
 
@@ -5399,7 +5722,7 @@
   <a:extraClrSchemeLst/>
   <a:extLst>
     <a:ext uri="{05A4C25C-085E-4340-85A3-A5531E510DB2}">
-      <thm15:themeFamily xmlns:thm15="http://schemas.microsoft.com/office/thememl/2012/main" xmlns="" name="Office Theme" id="{62F939B6-93AF-4DB8-9C6B-D6C7DFDC589F}" vid="{4A3C46E8-61CC-4603-A589-7422A47A8E4A}"/>
+      <thm15:themeFamily xmlns:thm15="http://schemas.microsoft.com/office/thememl/2012/main" name="Office Theme" id="{62F939B6-93AF-4DB8-9C6B-D6C7DFDC589F}" vid="{4A3C46E8-61CC-4603-A589-7422A47A8E4A}"/>
     </a:ext>
   </a:extLst>
 </a:theme>

--- a/changwon/2022-2/WebPrograming/발표자료/(Web)20229350 강부식.pptx
+++ b/changwon/2022-2/WebPrograming/발표자료/(Web)20229350 강부식.pptx
@@ -115,7 +115,7 @@
   </p:defaultTextStyle>
   <p:extLst>
     <p:ext uri="{EFAFB233-063F-42B5-8137-9DF3F51BA10A}">
-      <p15:sldGuideLst xmlns:p15="http://schemas.microsoft.com/office/powerpoint/2012/main">
+      <p15:sldGuideLst xmlns="" xmlns:p15="http://schemas.microsoft.com/office/powerpoint/2012/main">
         <p15:guide id="1" orient="horz" pos="2183" userDrawn="1">
           <p15:clr>
             <a:srgbClr val="A4A3A4"/>
@@ -154,7 +154,7 @@
           <p:cNvPr id="5" name="TextBox 4">
             <a:extLst>
               <a:ext uri="{FF2B5EF4-FFF2-40B4-BE49-F238E27FC236}">
-                <a16:creationId xmlns:a16="http://schemas.microsoft.com/office/drawing/2014/main" id="{CCD90640-7EB0-BE1D-FA8A-7A3A60D87864}"/>
+                <a16:creationId xmlns="" xmlns:a16="http://schemas.microsoft.com/office/drawing/2014/main" id="{CCD90640-7EB0-BE1D-FA8A-7A3A60D87864}"/>
               </a:ext>
             </a:extLst>
           </p:cNvPr>
@@ -261,7 +261,7 @@
           <p:cNvPr id="2" name="날짜 개체 틀 1">
             <a:extLst>
               <a:ext uri="{FF2B5EF4-FFF2-40B4-BE49-F238E27FC236}">
-                <a16:creationId xmlns:a16="http://schemas.microsoft.com/office/drawing/2014/main" id="{FC0A8D6C-2166-C593-56DA-F8BC31AF5076}"/>
+                <a16:creationId xmlns="" xmlns:a16="http://schemas.microsoft.com/office/drawing/2014/main" id="{FC0A8D6C-2166-C593-56DA-F8BC31AF5076}"/>
               </a:ext>
             </a:extLst>
           </p:cNvPr>
@@ -279,7 +279,7 @@
           <a:p>
             <a:fld id="{772F5193-41CD-4063-B0C7-05E32D5C3CCF}" type="datetimeFigureOut">
               <a:rPr lang="ko-KR" altLang="en-US" smtClean="0"/>
-              <a:t>2022-12-05</a:t>
+              <a:t>2022-12-06</a:t>
             </a:fld>
             <a:endParaRPr lang="ko-KR" altLang="en-US"/>
           </a:p>
@@ -290,7 +290,7 @@
           <p:cNvPr id="3" name="바닥글 개체 틀 2">
             <a:extLst>
               <a:ext uri="{FF2B5EF4-FFF2-40B4-BE49-F238E27FC236}">
-                <a16:creationId xmlns:a16="http://schemas.microsoft.com/office/drawing/2014/main" id="{DC3355A0-B053-055C-A48D-03DCA4984DD3}"/>
+                <a16:creationId xmlns="" xmlns:a16="http://schemas.microsoft.com/office/drawing/2014/main" id="{DC3355A0-B053-055C-A48D-03DCA4984DD3}"/>
               </a:ext>
             </a:extLst>
           </p:cNvPr>
@@ -315,7 +315,7 @@
           <p:cNvPr id="4" name="슬라이드 번호 개체 틀 3">
             <a:extLst>
               <a:ext uri="{FF2B5EF4-FFF2-40B4-BE49-F238E27FC236}">
-                <a16:creationId xmlns:a16="http://schemas.microsoft.com/office/drawing/2014/main" id="{F8A9E0C0-C208-C880-12BC-22614B99B3AA}"/>
+                <a16:creationId xmlns="" xmlns:a16="http://schemas.microsoft.com/office/drawing/2014/main" id="{F8A9E0C0-C208-C880-12BC-22614B99B3AA}"/>
               </a:ext>
             </a:extLst>
           </p:cNvPr>
@@ -374,7 +374,7 @@
           <p:cNvPr id="5" name="TextBox 4">
             <a:extLst>
               <a:ext uri="{FF2B5EF4-FFF2-40B4-BE49-F238E27FC236}">
-                <a16:creationId xmlns:a16="http://schemas.microsoft.com/office/drawing/2014/main" id="{CCD90640-7EB0-BE1D-FA8A-7A3A60D87864}"/>
+                <a16:creationId xmlns="" xmlns:a16="http://schemas.microsoft.com/office/drawing/2014/main" id="{CCD90640-7EB0-BE1D-FA8A-7A3A60D87864}"/>
               </a:ext>
             </a:extLst>
           </p:cNvPr>
@@ -463,7 +463,7 @@
           <p:cNvPr id="2" name="날짜 개체 틀 1">
             <a:extLst>
               <a:ext uri="{FF2B5EF4-FFF2-40B4-BE49-F238E27FC236}">
-                <a16:creationId xmlns:a16="http://schemas.microsoft.com/office/drawing/2014/main" id="{FC0A8D6C-2166-C593-56DA-F8BC31AF5076}"/>
+                <a16:creationId xmlns="" xmlns:a16="http://schemas.microsoft.com/office/drawing/2014/main" id="{FC0A8D6C-2166-C593-56DA-F8BC31AF5076}"/>
               </a:ext>
             </a:extLst>
           </p:cNvPr>
@@ -481,7 +481,7 @@
           <a:p>
             <a:fld id="{772F5193-41CD-4063-B0C7-05E32D5C3CCF}" type="datetimeFigureOut">
               <a:rPr lang="ko-KR" altLang="en-US" smtClean="0"/>
-              <a:t>2022-12-05</a:t>
+              <a:t>2022-12-06</a:t>
             </a:fld>
             <a:endParaRPr lang="ko-KR" altLang="en-US"/>
           </a:p>
@@ -492,7 +492,7 @@
           <p:cNvPr id="3" name="바닥글 개체 틀 2">
             <a:extLst>
               <a:ext uri="{FF2B5EF4-FFF2-40B4-BE49-F238E27FC236}">
-                <a16:creationId xmlns:a16="http://schemas.microsoft.com/office/drawing/2014/main" id="{DC3355A0-B053-055C-A48D-03DCA4984DD3}"/>
+                <a16:creationId xmlns="" xmlns:a16="http://schemas.microsoft.com/office/drawing/2014/main" id="{DC3355A0-B053-055C-A48D-03DCA4984DD3}"/>
               </a:ext>
             </a:extLst>
           </p:cNvPr>
@@ -517,7 +517,7 @@
           <p:cNvPr id="4" name="슬라이드 번호 개체 틀 3">
             <a:extLst>
               <a:ext uri="{FF2B5EF4-FFF2-40B4-BE49-F238E27FC236}">
-                <a16:creationId xmlns:a16="http://schemas.microsoft.com/office/drawing/2014/main" id="{F8A9E0C0-C208-C880-12BC-22614B99B3AA}"/>
+                <a16:creationId xmlns="" xmlns:a16="http://schemas.microsoft.com/office/drawing/2014/main" id="{F8A9E0C0-C208-C880-12BC-22614B99B3AA}"/>
               </a:ext>
             </a:extLst>
           </p:cNvPr>
@@ -581,7 +581,7 @@
           <p:cNvPr id="2" name="제목 개체 틀 1">
             <a:extLst>
               <a:ext uri="{FF2B5EF4-FFF2-40B4-BE49-F238E27FC236}">
-                <a16:creationId xmlns:a16="http://schemas.microsoft.com/office/drawing/2014/main" id="{FD2A1902-5E0F-4C85-6B9B-CFB8C95C20EE}"/>
+                <a16:creationId xmlns="" xmlns:a16="http://schemas.microsoft.com/office/drawing/2014/main" id="{FD2A1902-5E0F-4C85-6B9B-CFB8C95C20EE}"/>
               </a:ext>
             </a:extLst>
           </p:cNvPr>
@@ -619,7 +619,7 @@
           <p:cNvPr id="3" name="텍스트 개체 틀 2">
             <a:extLst>
               <a:ext uri="{FF2B5EF4-FFF2-40B4-BE49-F238E27FC236}">
-                <a16:creationId xmlns:a16="http://schemas.microsoft.com/office/drawing/2014/main" id="{56124FC5-232C-D503-51B2-2388BA704021}"/>
+                <a16:creationId xmlns="" xmlns:a16="http://schemas.microsoft.com/office/drawing/2014/main" id="{56124FC5-232C-D503-51B2-2388BA704021}"/>
               </a:ext>
             </a:extLst>
           </p:cNvPr>
@@ -686,7 +686,7 @@
           <p:cNvPr id="4" name="날짜 개체 틀 3">
             <a:extLst>
               <a:ext uri="{FF2B5EF4-FFF2-40B4-BE49-F238E27FC236}">
-                <a16:creationId xmlns:a16="http://schemas.microsoft.com/office/drawing/2014/main" id="{ADD67C67-55AD-BA6E-8404-A37284FE8472}"/>
+                <a16:creationId xmlns="" xmlns:a16="http://schemas.microsoft.com/office/drawing/2014/main" id="{ADD67C67-55AD-BA6E-8404-A37284FE8472}"/>
               </a:ext>
             </a:extLst>
           </p:cNvPr>
@@ -722,7 +722,7 @@
           <a:p>
             <a:fld id="{772F5193-41CD-4063-B0C7-05E32D5C3CCF}" type="datetimeFigureOut">
               <a:rPr lang="ko-KR" altLang="en-US" smtClean="0"/>
-              <a:t>2022-12-05</a:t>
+              <a:t>2022-12-06</a:t>
             </a:fld>
             <a:endParaRPr lang="ko-KR" altLang="en-US"/>
           </a:p>
@@ -733,7 +733,7 @@
           <p:cNvPr id="5" name="바닥글 개체 틀 4">
             <a:extLst>
               <a:ext uri="{FF2B5EF4-FFF2-40B4-BE49-F238E27FC236}">
-                <a16:creationId xmlns:a16="http://schemas.microsoft.com/office/drawing/2014/main" id="{E6847630-7AE5-2706-2404-F94D6A4CFA5C}"/>
+                <a16:creationId xmlns="" xmlns:a16="http://schemas.microsoft.com/office/drawing/2014/main" id="{E6847630-7AE5-2706-2404-F94D6A4CFA5C}"/>
               </a:ext>
             </a:extLst>
           </p:cNvPr>
@@ -776,7 +776,7 @@
           <p:cNvPr id="6" name="슬라이드 번호 개체 틀 5">
             <a:extLst>
               <a:ext uri="{FF2B5EF4-FFF2-40B4-BE49-F238E27FC236}">
-                <a16:creationId xmlns:a16="http://schemas.microsoft.com/office/drawing/2014/main" id="{75DA98C0-863E-3233-E6CC-C61C5150EEB1}"/>
+                <a16:creationId xmlns="" xmlns:a16="http://schemas.microsoft.com/office/drawing/2014/main" id="{75DA98C0-863E-3233-E6CC-C61C5150EEB1}"/>
               </a:ext>
             </a:extLst>
           </p:cNvPr>
@@ -1143,7 +1143,7 @@
           <p:cNvPr id="5" name="TextBox 4">
             <a:extLst>
               <a:ext uri="{FF2B5EF4-FFF2-40B4-BE49-F238E27FC236}">
-                <a16:creationId xmlns:a16="http://schemas.microsoft.com/office/drawing/2014/main" id="{B6956878-ABEC-AF9A-D2CE-3CA826B6E387}"/>
+                <a16:creationId xmlns="" xmlns:a16="http://schemas.microsoft.com/office/drawing/2014/main" id="{B6956878-ABEC-AF9A-D2CE-3CA826B6E387}"/>
               </a:ext>
             </a:extLst>
           </p:cNvPr>
@@ -1191,7 +1191,7 @@
           <p:cNvPr id="6" name="TextBox 5">
             <a:extLst>
               <a:ext uri="{FF2B5EF4-FFF2-40B4-BE49-F238E27FC236}">
-                <a16:creationId xmlns:a16="http://schemas.microsoft.com/office/drawing/2014/main" id="{B1BEB93D-E860-DD72-63D2-BA2ACD126D65}"/>
+                <a16:creationId xmlns="" xmlns:a16="http://schemas.microsoft.com/office/drawing/2014/main" id="{B1BEB93D-E860-DD72-63D2-BA2ACD126D65}"/>
               </a:ext>
             </a:extLst>
           </p:cNvPr>
@@ -1242,7 +1242,7 @@
           <p:cNvPr id="7" name="직선 연결선 6">
             <a:extLst>
               <a:ext uri="{FF2B5EF4-FFF2-40B4-BE49-F238E27FC236}">
-                <a16:creationId xmlns:a16="http://schemas.microsoft.com/office/drawing/2014/main" id="{AA083F78-7EAC-088E-92A6-2CCA7C19FAAA}"/>
+                <a16:creationId xmlns="" xmlns:a16="http://schemas.microsoft.com/office/drawing/2014/main" id="{AA083F78-7EAC-088E-92A6-2CCA7C19FAAA}"/>
               </a:ext>
             </a:extLst>
           </p:cNvPr>
@@ -1285,7 +1285,7 @@
           <p:cNvPr id="3" name="그림 2">
             <a:extLst>
               <a:ext uri="{FF2B5EF4-FFF2-40B4-BE49-F238E27FC236}">
-                <a16:creationId xmlns:a16="http://schemas.microsoft.com/office/drawing/2014/main" id="{80B685C8-6A20-E395-358B-37BCAD85F925}"/>
+                <a16:creationId xmlns="" xmlns:a16="http://schemas.microsoft.com/office/drawing/2014/main" id="{80B685C8-6A20-E395-358B-37BCAD85F925}"/>
               </a:ext>
             </a:extLst>
           </p:cNvPr>
@@ -1315,7 +1315,7 @@
           <p:cNvPr id="4" name="TextBox 3">
             <a:extLst>
               <a:ext uri="{FF2B5EF4-FFF2-40B4-BE49-F238E27FC236}">
-                <a16:creationId xmlns:a16="http://schemas.microsoft.com/office/drawing/2014/main" id="{EEC83F46-7E99-2D8B-C11E-A8E4209062DE}"/>
+                <a16:creationId xmlns="" xmlns:a16="http://schemas.microsoft.com/office/drawing/2014/main" id="{EEC83F46-7E99-2D8B-C11E-A8E4209062DE}"/>
               </a:ext>
             </a:extLst>
           </p:cNvPr>
@@ -1349,14 +1349,14 @@
               <a:t>- </a:t>
             </a:r>
             <a:r>
-              <a:rPr lang="ko-KR" altLang="en-US" sz="2800" spc="-150" dirty="0" err="1">
+              <a:rPr lang="ko-KR" altLang="en-US" sz="2800" spc="-150" dirty="0" smtClean="0">
                 <a:solidFill>
                   <a:schemeClr val="bg1"/>
                 </a:solidFill>
                 <a:latin typeface="맑은 고딕" panose="020B0503020000020004" pitchFamily="50" charset="-127"/>
                 <a:ea typeface="맑은 고딕" panose="020B0503020000020004" pitchFamily="50" charset="-127"/>
               </a:rPr>
-              <a:t>데이터마이닝</a:t>
+              <a:t>웹 프로그래밍 </a:t>
             </a:r>
             <a:r>
               <a:rPr lang="ko-KR" altLang="en-US" sz="2800" spc="-150" dirty="0">
@@ -1366,7 +1366,7 @@
                 <a:latin typeface="맑은 고딕" panose="020B0503020000020004" pitchFamily="50" charset="-127"/>
                 <a:ea typeface="맑은 고딕" panose="020B0503020000020004" pitchFamily="50" charset="-127"/>
               </a:rPr>
-              <a:t> 과제물</a:t>
+              <a:t>과제물</a:t>
             </a:r>
             <a:r>
               <a:rPr lang="en-US" altLang="ko-KR" sz="2800" spc="-150" dirty="0">
@@ -1408,8 +1408,25 @@
                 <a:latin typeface="맑은 고딕" panose="020B0503020000020004" pitchFamily="50" charset="-127"/>
                 <a:ea typeface="맑은 고딕" panose="020B0503020000020004" pitchFamily="50" charset="-127"/>
               </a:rPr>
-              <a:t>: 2022. 12. 5</a:t>
-            </a:r>
+              <a:t>: 2022. 12. </a:t>
+            </a:r>
+            <a:r>
+              <a:rPr lang="en-US" altLang="ko-KR" sz="2800" spc="-150" dirty="0" smtClean="0">
+                <a:solidFill>
+                  <a:schemeClr val="bg1"/>
+                </a:solidFill>
+                <a:latin typeface="맑은 고딕" panose="020B0503020000020004" pitchFamily="50" charset="-127"/>
+                <a:ea typeface="맑은 고딕" panose="020B0503020000020004" pitchFamily="50" charset="-127"/>
+              </a:rPr>
+              <a:t>6</a:t>
+            </a:r>
+            <a:endParaRPr lang="en-US" altLang="ko-KR" sz="2800" spc="-150" dirty="0">
+              <a:solidFill>
+                <a:schemeClr val="bg1"/>
+              </a:solidFill>
+              <a:latin typeface="맑은 고딕" panose="020B0503020000020004" pitchFamily="50" charset="-127"/>
+              <a:ea typeface="맑은 고딕" panose="020B0503020000020004" pitchFamily="50" charset="-127"/>
+            </a:endParaRPr>
           </a:p>
         </p:txBody>
       </p:sp>
@@ -1456,7 +1473,7 @@
           <p:cNvPr id="229" name="TextBox 228">
             <a:extLst>
               <a:ext uri="{FF2B5EF4-FFF2-40B4-BE49-F238E27FC236}">
-                <a16:creationId xmlns:a16="http://schemas.microsoft.com/office/drawing/2014/main" id="{82E972E3-5A9F-5EC8-8519-037C335D1561}"/>
+                <a16:creationId xmlns="" xmlns:a16="http://schemas.microsoft.com/office/drawing/2014/main" id="{82E972E3-5A9F-5EC8-8519-037C335D1561}"/>
               </a:ext>
             </a:extLst>
           </p:cNvPr>
@@ -1510,8 +1527,53 @@
                 <a:latin typeface="Pretendard"/>
                 <a:cs typeface="+mn-cs"/>
               </a:rPr>
-              <a:t>Q &amp; A</a:t>
-            </a:r>
+              <a:t>Q </a:t>
+            </a:r>
+            <a:r>
+              <a:rPr kumimoji="0" lang="en-US" altLang="ko-KR" sz="7200" b="1" i="0" u="none" strike="noStrike" kern="1200" cap="none" spc="0" normalizeH="0" baseline="0" noProof="0">
+                <a:ln>
+                  <a:noFill/>
+                </a:ln>
+                <a:solidFill>
+                  <a:prstClr val="white"/>
+                </a:solidFill>
+                <a:effectLst/>
+                <a:uLnTx/>
+                <a:uFillTx/>
+                <a:latin typeface="Pretendard"/>
+                <a:cs typeface="+mn-cs"/>
+              </a:rPr>
+              <a:t>&amp; </a:t>
+            </a:r>
+            <a:r>
+              <a:rPr kumimoji="0" lang="en-US" altLang="ko-KR" sz="7200" b="1" i="0" u="none" strike="noStrike" kern="1200" cap="none" spc="0" normalizeH="0" baseline="0" noProof="0" smtClean="0">
+                <a:ln>
+                  <a:noFill/>
+                </a:ln>
+                <a:solidFill>
+                  <a:prstClr val="white"/>
+                </a:solidFill>
+                <a:effectLst/>
+                <a:uLnTx/>
+                <a:uFillTx/>
+                <a:latin typeface="Pretendard"/>
+                <a:cs typeface="+mn-cs"/>
+              </a:rPr>
+              <a:t>A</a:t>
+            </a:r>
+            <a:endParaRPr kumimoji="0" lang="en-US" altLang="ko-KR" sz="7200" b="1" i="0" u="none" strike="noStrike" kern="1200" cap="none" spc="0" normalizeH="0" baseline="0" noProof="0" dirty="0">
+              <a:ln>
+                <a:noFill/>
+              </a:ln>
+              <a:solidFill>
+                <a:prstClr val="white"/>
+              </a:solidFill>
+              <a:effectLst/>
+              <a:uLnTx/>
+              <a:uFillTx/>
+              <a:latin typeface="Pretendard"/>
+              <a:cs typeface="+mn-cs"/>
+            </a:endParaRPr>
           </a:p>
           <a:p>
             <a:pPr marL="0" marR="0" lvl="0" indent="0" algn="ctr" defTabSz="914400" rtl="0" eaLnBrk="1" fontAlgn="auto" latinLnBrk="1" hangingPunct="1">
@@ -1616,7 +1678,7 @@
           <p:cNvPr id="3" name="그림 2">
             <a:extLst>
               <a:ext uri="{FF2B5EF4-FFF2-40B4-BE49-F238E27FC236}">
-                <a16:creationId xmlns:a16="http://schemas.microsoft.com/office/drawing/2014/main" id="{C1A5CD31-3946-B534-23EA-EFFA4A74554E}"/>
+                <a16:creationId xmlns="" xmlns:a16="http://schemas.microsoft.com/office/drawing/2014/main" id="{C1A5CD31-3946-B534-23EA-EFFA4A74554E}"/>
               </a:ext>
             </a:extLst>
           </p:cNvPr>
@@ -1686,7 +1748,7 @@
           <p:cNvPr id="5" name="TextBox 4">
             <a:extLst>
               <a:ext uri="{FF2B5EF4-FFF2-40B4-BE49-F238E27FC236}">
-                <a16:creationId xmlns:a16="http://schemas.microsoft.com/office/drawing/2014/main" id="{B748DE9C-B5AD-BAA4-4EBD-53FA1916E9A2}"/>
+                <a16:creationId xmlns="" xmlns:a16="http://schemas.microsoft.com/office/drawing/2014/main" id="{B748DE9C-B5AD-BAA4-4EBD-53FA1916E9A2}"/>
               </a:ext>
             </a:extLst>
           </p:cNvPr>
@@ -1727,7 +1789,7 @@
           <p:cNvPr id="7" name="TextBox 6">
             <a:extLst>
               <a:ext uri="{FF2B5EF4-FFF2-40B4-BE49-F238E27FC236}">
-                <a16:creationId xmlns:a16="http://schemas.microsoft.com/office/drawing/2014/main" id="{CE308183-DB54-F711-9B69-C8C5752AF7AF}"/>
+                <a16:creationId xmlns="" xmlns:a16="http://schemas.microsoft.com/office/drawing/2014/main" id="{CE308183-DB54-F711-9B69-C8C5752AF7AF}"/>
               </a:ext>
             </a:extLst>
           </p:cNvPr>
@@ -1775,7 +1837,7 @@
           <p:cNvPr id="8" name="TextBox 7">
             <a:extLst>
               <a:ext uri="{FF2B5EF4-FFF2-40B4-BE49-F238E27FC236}">
-                <a16:creationId xmlns:a16="http://schemas.microsoft.com/office/drawing/2014/main" id="{BC5F8E78-68AC-B048-5336-EE835D4169E6}"/>
+                <a16:creationId xmlns="" xmlns:a16="http://schemas.microsoft.com/office/drawing/2014/main" id="{BC5F8E78-68AC-B048-5336-EE835D4169E6}"/>
               </a:ext>
             </a:extLst>
           </p:cNvPr>
@@ -1816,7 +1878,7 @@
           <p:cNvPr id="9" name="TextBox 8">
             <a:extLst>
               <a:ext uri="{FF2B5EF4-FFF2-40B4-BE49-F238E27FC236}">
-                <a16:creationId xmlns:a16="http://schemas.microsoft.com/office/drawing/2014/main" id="{313F5BEB-A29E-EC98-4681-67E53CB0B3C2}"/>
+                <a16:creationId xmlns="" xmlns:a16="http://schemas.microsoft.com/office/drawing/2014/main" id="{313F5BEB-A29E-EC98-4681-67E53CB0B3C2}"/>
               </a:ext>
             </a:extLst>
           </p:cNvPr>
@@ -1864,7 +1926,7 @@
           <p:cNvPr id="10" name="TextBox 9">
             <a:extLst>
               <a:ext uri="{FF2B5EF4-FFF2-40B4-BE49-F238E27FC236}">
-                <a16:creationId xmlns:a16="http://schemas.microsoft.com/office/drawing/2014/main" id="{15EF1453-BC33-8329-E803-35808F5E93AA}"/>
+                <a16:creationId xmlns="" xmlns:a16="http://schemas.microsoft.com/office/drawing/2014/main" id="{15EF1453-BC33-8329-E803-35808F5E93AA}"/>
               </a:ext>
             </a:extLst>
           </p:cNvPr>
@@ -1905,7 +1967,7 @@
           <p:cNvPr id="15" name="TextBox 14">
             <a:extLst>
               <a:ext uri="{FF2B5EF4-FFF2-40B4-BE49-F238E27FC236}">
-                <a16:creationId xmlns:a16="http://schemas.microsoft.com/office/drawing/2014/main" id="{627B173C-BF4B-5D6B-514A-71779E736CDB}"/>
+                <a16:creationId xmlns="" xmlns:a16="http://schemas.microsoft.com/office/drawing/2014/main" id="{627B173C-BF4B-5D6B-514A-71779E736CDB}"/>
               </a:ext>
             </a:extLst>
           </p:cNvPr>
@@ -1953,7 +2015,7 @@
           <p:cNvPr id="19" name="TextBox 18">
             <a:extLst>
               <a:ext uri="{FF2B5EF4-FFF2-40B4-BE49-F238E27FC236}">
-                <a16:creationId xmlns:a16="http://schemas.microsoft.com/office/drawing/2014/main" id="{3D258E78-E0A3-AE12-64E5-C4481F9EEFE4}"/>
+                <a16:creationId xmlns="" xmlns:a16="http://schemas.microsoft.com/office/drawing/2014/main" id="{3D258E78-E0A3-AE12-64E5-C4481F9EEFE4}"/>
               </a:ext>
             </a:extLst>
           </p:cNvPr>
@@ -2048,7 +2110,7 @@
           <p:cNvPr id="18" name="그림 17">
             <a:extLst>
               <a:ext uri="{FF2B5EF4-FFF2-40B4-BE49-F238E27FC236}">
-                <a16:creationId xmlns:a16="http://schemas.microsoft.com/office/drawing/2014/main" id="{02CED0DE-6F71-71B8-7E6B-E4BBFE001510}"/>
+                <a16:creationId xmlns="" xmlns:a16="http://schemas.microsoft.com/office/drawing/2014/main" id="{02CED0DE-6F71-71B8-7E6B-E4BBFE001510}"/>
               </a:ext>
             </a:extLst>
           </p:cNvPr>
@@ -2083,7 +2145,7 @@
           <p:cNvPr id="3" name="직선 연결선 2">
             <a:extLst>
               <a:ext uri="{FF2B5EF4-FFF2-40B4-BE49-F238E27FC236}">
-                <a16:creationId xmlns:a16="http://schemas.microsoft.com/office/drawing/2014/main" id="{695F5617-8CB3-2C90-D484-7E78AF629F77}"/>
+                <a16:creationId xmlns="" xmlns:a16="http://schemas.microsoft.com/office/drawing/2014/main" id="{695F5617-8CB3-2C90-D484-7E78AF629F77}"/>
               </a:ext>
             </a:extLst>
           </p:cNvPr>
@@ -2126,7 +2188,7 @@
           <p:cNvPr id="4" name="직선 연결선 3">
             <a:extLst>
               <a:ext uri="{FF2B5EF4-FFF2-40B4-BE49-F238E27FC236}">
-                <a16:creationId xmlns:a16="http://schemas.microsoft.com/office/drawing/2014/main" id="{8B4A3B93-1F0C-9A0F-F5F7-F4FD3957F3AF}"/>
+                <a16:creationId xmlns="" xmlns:a16="http://schemas.microsoft.com/office/drawing/2014/main" id="{8B4A3B93-1F0C-9A0F-F5F7-F4FD3957F3AF}"/>
               </a:ext>
             </a:extLst>
           </p:cNvPr>
@@ -2210,7 +2272,7 @@
           <p:cNvPr id="3" name="직선 연결선 2">
             <a:extLst>
               <a:ext uri="{FF2B5EF4-FFF2-40B4-BE49-F238E27FC236}">
-                <a16:creationId xmlns:a16="http://schemas.microsoft.com/office/drawing/2014/main" id="{F5C1ACF7-8A35-25CF-FF70-3E0814963361}"/>
+                <a16:creationId xmlns="" xmlns:a16="http://schemas.microsoft.com/office/drawing/2014/main" id="{F5C1ACF7-8A35-25CF-FF70-3E0814963361}"/>
               </a:ext>
             </a:extLst>
           </p:cNvPr>
@@ -2246,7 +2308,7 @@
           <p:cNvPr id="7" name="타원 6">
             <a:extLst>
               <a:ext uri="{FF2B5EF4-FFF2-40B4-BE49-F238E27FC236}">
-                <a16:creationId xmlns:a16="http://schemas.microsoft.com/office/drawing/2014/main" id="{68BDFDEA-2A55-402D-6599-C07C84E494E6}"/>
+                <a16:creationId xmlns="" xmlns:a16="http://schemas.microsoft.com/office/drawing/2014/main" id="{68BDFDEA-2A55-402D-6599-C07C84E494E6}"/>
               </a:ext>
             </a:extLst>
           </p:cNvPr>
@@ -2309,7 +2371,7 @@
           <p:cNvPr id="8" name="타원 7">
             <a:extLst>
               <a:ext uri="{FF2B5EF4-FFF2-40B4-BE49-F238E27FC236}">
-                <a16:creationId xmlns:a16="http://schemas.microsoft.com/office/drawing/2014/main" id="{F001C1F6-1EBD-E5CE-94C9-5878C1918FEC}"/>
+                <a16:creationId xmlns="" xmlns:a16="http://schemas.microsoft.com/office/drawing/2014/main" id="{F001C1F6-1EBD-E5CE-94C9-5878C1918FEC}"/>
               </a:ext>
             </a:extLst>
           </p:cNvPr>
@@ -2372,7 +2434,7 @@
           <p:cNvPr id="9" name="타원 8">
             <a:extLst>
               <a:ext uri="{FF2B5EF4-FFF2-40B4-BE49-F238E27FC236}">
-                <a16:creationId xmlns:a16="http://schemas.microsoft.com/office/drawing/2014/main" id="{F8E857DD-B7DA-4C94-4B41-487CC595ADF3}"/>
+                <a16:creationId xmlns="" xmlns:a16="http://schemas.microsoft.com/office/drawing/2014/main" id="{F8E857DD-B7DA-4C94-4B41-487CC595ADF3}"/>
               </a:ext>
             </a:extLst>
           </p:cNvPr>
@@ -2435,7 +2497,7 @@
           <p:cNvPr id="10" name="TextBox 9">
             <a:extLst>
               <a:ext uri="{FF2B5EF4-FFF2-40B4-BE49-F238E27FC236}">
-                <a16:creationId xmlns:a16="http://schemas.microsoft.com/office/drawing/2014/main" id="{C5FB81F6-76A1-1777-8953-CB7B9A32A7A3}"/>
+                <a16:creationId xmlns="" xmlns:a16="http://schemas.microsoft.com/office/drawing/2014/main" id="{C5FB81F6-76A1-1777-8953-CB7B9A32A7A3}"/>
               </a:ext>
             </a:extLst>
           </p:cNvPr>
@@ -2499,7 +2561,7 @@
           <p:cNvPr id="11" name="TextBox 10">
             <a:extLst>
               <a:ext uri="{FF2B5EF4-FFF2-40B4-BE49-F238E27FC236}">
-                <a16:creationId xmlns:a16="http://schemas.microsoft.com/office/drawing/2014/main" id="{4944080C-AE31-0B6A-5362-529043FB2DAB}"/>
+                <a16:creationId xmlns="" xmlns:a16="http://schemas.microsoft.com/office/drawing/2014/main" id="{4944080C-AE31-0B6A-5362-529043FB2DAB}"/>
               </a:ext>
             </a:extLst>
           </p:cNvPr>
@@ -2543,7 +2605,7 @@
           <p:cNvPr id="12" name="TextBox 11">
             <a:extLst>
               <a:ext uri="{FF2B5EF4-FFF2-40B4-BE49-F238E27FC236}">
-                <a16:creationId xmlns:a16="http://schemas.microsoft.com/office/drawing/2014/main" id="{D83DC3D5-AD91-D8AB-C428-25FDAE44CB12}"/>
+                <a16:creationId xmlns="" xmlns:a16="http://schemas.microsoft.com/office/drawing/2014/main" id="{D83DC3D5-AD91-D8AB-C428-25FDAE44CB12}"/>
               </a:ext>
             </a:extLst>
           </p:cNvPr>
@@ -2587,7 +2649,7 @@
           <p:cNvPr id="13" name="TextBox 12">
             <a:extLst>
               <a:ext uri="{FF2B5EF4-FFF2-40B4-BE49-F238E27FC236}">
-                <a16:creationId xmlns:a16="http://schemas.microsoft.com/office/drawing/2014/main" id="{1BE54AF5-E257-82CE-23EB-3A7247442C43}"/>
+                <a16:creationId xmlns="" xmlns:a16="http://schemas.microsoft.com/office/drawing/2014/main" id="{1BE54AF5-E257-82CE-23EB-3A7247442C43}"/>
               </a:ext>
             </a:extLst>
           </p:cNvPr>
@@ -2640,7 +2702,7 @@
           <p:cNvPr id="4" name="그림 3">
             <a:extLst>
               <a:ext uri="{FF2B5EF4-FFF2-40B4-BE49-F238E27FC236}">
-                <a16:creationId xmlns:a16="http://schemas.microsoft.com/office/drawing/2014/main" id="{7743F436-9AD4-5006-48CF-F6C19925718D}"/>
+                <a16:creationId xmlns="" xmlns:a16="http://schemas.microsoft.com/office/drawing/2014/main" id="{7743F436-9AD4-5006-48CF-F6C19925718D}"/>
               </a:ext>
             </a:extLst>
           </p:cNvPr>
@@ -2708,7 +2770,7 @@
           <p:cNvPr id="7" name="그룹 6">
             <a:extLst>
               <a:ext uri="{FF2B5EF4-FFF2-40B4-BE49-F238E27FC236}">
-                <a16:creationId xmlns:a16="http://schemas.microsoft.com/office/drawing/2014/main" id="{ADC16E78-8819-8219-C770-75C3BD1E4D45}"/>
+                <a16:creationId xmlns="" xmlns:a16="http://schemas.microsoft.com/office/drawing/2014/main" id="{ADC16E78-8819-8219-C770-75C3BD1E4D45}"/>
               </a:ext>
             </a:extLst>
           </p:cNvPr>
@@ -2728,7 +2790,7 @@
             <p:cNvPr id="2" name="TextBox 1">
               <a:extLst>
                 <a:ext uri="{FF2B5EF4-FFF2-40B4-BE49-F238E27FC236}">
-                  <a16:creationId xmlns:a16="http://schemas.microsoft.com/office/drawing/2014/main" id="{1E4D379F-0D7A-E10A-C2FD-B3F877B38412}"/>
+                  <a16:creationId xmlns="" xmlns:a16="http://schemas.microsoft.com/office/drawing/2014/main" id="{1E4D379F-0D7A-E10A-C2FD-B3F877B38412}"/>
                 </a:ext>
               </a:extLst>
             </p:cNvPr>
@@ -2776,7 +2838,7 @@
             <p:cNvPr id="3" name="TextBox 2">
               <a:extLst>
                 <a:ext uri="{FF2B5EF4-FFF2-40B4-BE49-F238E27FC236}">
-                  <a16:creationId xmlns:a16="http://schemas.microsoft.com/office/drawing/2014/main" id="{773F2969-8E1F-0403-B6B6-037C4B0D5DB2}"/>
+                  <a16:creationId xmlns="" xmlns:a16="http://schemas.microsoft.com/office/drawing/2014/main" id="{773F2969-8E1F-0403-B6B6-037C4B0D5DB2}"/>
                 </a:ext>
               </a:extLst>
             </p:cNvPr>
@@ -2817,7 +2879,7 @@
             <p:cNvPr id="4" name="직선 연결선 3">
               <a:extLst>
                 <a:ext uri="{FF2B5EF4-FFF2-40B4-BE49-F238E27FC236}">
-                  <a16:creationId xmlns:a16="http://schemas.microsoft.com/office/drawing/2014/main" id="{F9894119-F233-DC33-68F5-7374CF0E569E}"/>
+                  <a16:creationId xmlns="" xmlns:a16="http://schemas.microsoft.com/office/drawing/2014/main" id="{F9894119-F233-DC33-68F5-7374CF0E569E}"/>
                 </a:ext>
               </a:extLst>
             </p:cNvPr>
@@ -2860,7 +2922,7 @@
             <p:cNvPr id="6" name="직선 연결선 5">
               <a:extLst>
                 <a:ext uri="{FF2B5EF4-FFF2-40B4-BE49-F238E27FC236}">
-                  <a16:creationId xmlns:a16="http://schemas.microsoft.com/office/drawing/2014/main" id="{01021128-BA25-D6FF-656C-87D086ADE451}"/>
+                  <a16:creationId xmlns="" xmlns:a16="http://schemas.microsoft.com/office/drawing/2014/main" id="{01021128-BA25-D6FF-656C-87D086ADE451}"/>
                 </a:ext>
               </a:extLst>
             </p:cNvPr>
@@ -2904,7 +2966,7 @@
           <p:cNvPr id="8" name="그림 7">
             <a:extLst>
               <a:ext uri="{FF2B5EF4-FFF2-40B4-BE49-F238E27FC236}">
-                <a16:creationId xmlns:a16="http://schemas.microsoft.com/office/drawing/2014/main" id="{088E88F3-9870-3FBE-2256-7CDE12FAF35E}"/>
+                <a16:creationId xmlns="" xmlns:a16="http://schemas.microsoft.com/office/drawing/2014/main" id="{088E88F3-9870-3FBE-2256-7CDE12FAF35E}"/>
               </a:ext>
             </a:extLst>
           </p:cNvPr>
@@ -2964,7 +3026,7 @@
           <p:cNvPr id="3" name="직선 연결선 2">
             <a:extLst>
               <a:ext uri="{FF2B5EF4-FFF2-40B4-BE49-F238E27FC236}">
-                <a16:creationId xmlns:a16="http://schemas.microsoft.com/office/drawing/2014/main" id="{E3FBA607-E7FC-B7F8-2868-BC448F31F790}"/>
+                <a16:creationId xmlns="" xmlns:a16="http://schemas.microsoft.com/office/drawing/2014/main" id="{E3FBA607-E7FC-B7F8-2868-BC448F31F790}"/>
               </a:ext>
             </a:extLst>
           </p:cNvPr>
@@ -3005,7 +3067,7 @@
           <p:cNvPr id="4" name="TextBox 3">
             <a:extLst>
               <a:ext uri="{FF2B5EF4-FFF2-40B4-BE49-F238E27FC236}">
-                <a16:creationId xmlns:a16="http://schemas.microsoft.com/office/drawing/2014/main" id="{B8326A7D-F71C-ED1C-CBFD-93F557654D2A}"/>
+                <a16:creationId xmlns="" xmlns:a16="http://schemas.microsoft.com/office/drawing/2014/main" id="{B8326A7D-F71C-ED1C-CBFD-93F557654D2A}"/>
               </a:ext>
             </a:extLst>
           </p:cNvPr>
@@ -3053,7 +3115,7 @@
           <p:cNvPr id="5" name="TextBox 4">
             <a:extLst>
               <a:ext uri="{FF2B5EF4-FFF2-40B4-BE49-F238E27FC236}">
-                <a16:creationId xmlns:a16="http://schemas.microsoft.com/office/drawing/2014/main" id="{3251639B-29EB-6E9D-733B-6F917838F571}"/>
+                <a16:creationId xmlns="" xmlns:a16="http://schemas.microsoft.com/office/drawing/2014/main" id="{3251639B-29EB-6E9D-733B-6F917838F571}"/>
               </a:ext>
             </a:extLst>
           </p:cNvPr>
@@ -3094,7 +3156,7 @@
           <p:cNvPr id="6" name="직선 연결선 5">
             <a:extLst>
               <a:ext uri="{FF2B5EF4-FFF2-40B4-BE49-F238E27FC236}">
-                <a16:creationId xmlns:a16="http://schemas.microsoft.com/office/drawing/2014/main" id="{227D3D02-66A7-B0C0-2CF2-A0900C18861C}"/>
+                <a16:creationId xmlns="" xmlns:a16="http://schemas.microsoft.com/office/drawing/2014/main" id="{227D3D02-66A7-B0C0-2CF2-A0900C18861C}"/>
               </a:ext>
             </a:extLst>
           </p:cNvPr>
@@ -3135,7 +3197,7 @@
           <p:cNvPr id="2" name="직사각형 1">
             <a:extLst>
               <a:ext uri="{FF2B5EF4-FFF2-40B4-BE49-F238E27FC236}">
-                <a16:creationId xmlns:a16="http://schemas.microsoft.com/office/drawing/2014/main" id="{B3BB2C81-2C36-BFAF-F8BF-91BC4B766C18}"/>
+                <a16:creationId xmlns="" xmlns:a16="http://schemas.microsoft.com/office/drawing/2014/main" id="{B3BB2C81-2C36-BFAF-F8BF-91BC4B766C18}"/>
               </a:ext>
             </a:extLst>
           </p:cNvPr>
@@ -3190,7 +3252,7 @@
           <p:cNvPr id="23" name="TextBox 22">
             <a:extLst>
               <a:ext uri="{FF2B5EF4-FFF2-40B4-BE49-F238E27FC236}">
-                <a16:creationId xmlns:a16="http://schemas.microsoft.com/office/drawing/2014/main" id="{7353C824-937A-E110-963F-5F8649640E2E}"/>
+                <a16:creationId xmlns="" xmlns:a16="http://schemas.microsoft.com/office/drawing/2014/main" id="{7353C824-937A-E110-963F-5F8649640E2E}"/>
               </a:ext>
             </a:extLst>
           </p:cNvPr>
@@ -3301,7 +3363,7 @@
           <p:cNvPr id="26" name="직사각형 25">
             <a:extLst>
               <a:ext uri="{FF2B5EF4-FFF2-40B4-BE49-F238E27FC236}">
-                <a16:creationId xmlns:a16="http://schemas.microsoft.com/office/drawing/2014/main" id="{B3BB2C81-2C36-BFAF-F8BF-91BC4B766C18}"/>
+                <a16:creationId xmlns="" xmlns:a16="http://schemas.microsoft.com/office/drawing/2014/main" id="{B3BB2C81-2C36-BFAF-F8BF-91BC4B766C18}"/>
               </a:ext>
             </a:extLst>
           </p:cNvPr>
@@ -3356,7 +3418,7 @@
           <p:cNvPr id="27" name="TextBox 26">
             <a:extLst>
               <a:ext uri="{FF2B5EF4-FFF2-40B4-BE49-F238E27FC236}">
-                <a16:creationId xmlns:a16="http://schemas.microsoft.com/office/drawing/2014/main" id="{7353C824-937A-E110-963F-5F8649640E2E}"/>
+                <a16:creationId xmlns="" xmlns:a16="http://schemas.microsoft.com/office/drawing/2014/main" id="{7353C824-937A-E110-963F-5F8649640E2E}"/>
               </a:ext>
             </a:extLst>
           </p:cNvPr>
@@ -3431,7 +3493,7 @@
           <p:cNvPr id="29" name="직사각형 28">
             <a:extLst>
               <a:ext uri="{FF2B5EF4-FFF2-40B4-BE49-F238E27FC236}">
-                <a16:creationId xmlns:a16="http://schemas.microsoft.com/office/drawing/2014/main" id="{B3BB2C81-2C36-BFAF-F8BF-91BC4B766C18}"/>
+                <a16:creationId xmlns="" xmlns:a16="http://schemas.microsoft.com/office/drawing/2014/main" id="{B3BB2C81-2C36-BFAF-F8BF-91BC4B766C18}"/>
               </a:ext>
             </a:extLst>
           </p:cNvPr>
@@ -3486,7 +3548,7 @@
           <p:cNvPr id="30" name="TextBox 29">
             <a:extLst>
               <a:ext uri="{FF2B5EF4-FFF2-40B4-BE49-F238E27FC236}">
-                <a16:creationId xmlns:a16="http://schemas.microsoft.com/office/drawing/2014/main" id="{7353C824-937A-E110-963F-5F8649640E2E}"/>
+                <a16:creationId xmlns="" xmlns:a16="http://schemas.microsoft.com/office/drawing/2014/main" id="{7353C824-937A-E110-963F-5F8649640E2E}"/>
               </a:ext>
             </a:extLst>
           </p:cNvPr>
@@ -3525,7 +3587,7 @@
           <p:cNvPr id="31" name="직사각형 30">
             <a:extLst>
               <a:ext uri="{FF2B5EF4-FFF2-40B4-BE49-F238E27FC236}">
-                <a16:creationId xmlns:a16="http://schemas.microsoft.com/office/drawing/2014/main" id="{B3BB2C81-2C36-BFAF-F8BF-91BC4B766C18}"/>
+                <a16:creationId xmlns="" xmlns:a16="http://schemas.microsoft.com/office/drawing/2014/main" id="{B3BB2C81-2C36-BFAF-F8BF-91BC4B766C18}"/>
               </a:ext>
             </a:extLst>
           </p:cNvPr>
@@ -3580,7 +3642,7 @@
           <p:cNvPr id="32" name="TextBox 31">
             <a:extLst>
               <a:ext uri="{FF2B5EF4-FFF2-40B4-BE49-F238E27FC236}">
-                <a16:creationId xmlns:a16="http://schemas.microsoft.com/office/drawing/2014/main" id="{7353C824-937A-E110-963F-5F8649640E2E}"/>
+                <a16:creationId xmlns="" xmlns:a16="http://schemas.microsoft.com/office/drawing/2014/main" id="{7353C824-937A-E110-963F-5F8649640E2E}"/>
               </a:ext>
             </a:extLst>
           </p:cNvPr>
@@ -3619,7 +3681,7 @@
           <p:cNvPr id="9" name="그림 8">
             <a:extLst>
               <a:ext uri="{FF2B5EF4-FFF2-40B4-BE49-F238E27FC236}">
-                <a16:creationId xmlns:a16="http://schemas.microsoft.com/office/drawing/2014/main" id="{AAC233A6-2C0A-3E5A-DEC5-7822BAFB8541}"/>
+                <a16:creationId xmlns="" xmlns:a16="http://schemas.microsoft.com/office/drawing/2014/main" id="{AAC233A6-2C0A-3E5A-DEC5-7822BAFB8541}"/>
               </a:ext>
             </a:extLst>
           </p:cNvPr>
@@ -3687,7 +3749,7 @@
           <p:cNvPr id="7" name="그룹 6">
             <a:extLst>
               <a:ext uri="{FF2B5EF4-FFF2-40B4-BE49-F238E27FC236}">
-                <a16:creationId xmlns:a16="http://schemas.microsoft.com/office/drawing/2014/main" id="{ADC16E78-8819-8219-C770-75C3BD1E4D45}"/>
+                <a16:creationId xmlns="" xmlns:a16="http://schemas.microsoft.com/office/drawing/2014/main" id="{ADC16E78-8819-8219-C770-75C3BD1E4D45}"/>
               </a:ext>
             </a:extLst>
           </p:cNvPr>
@@ -3707,7 +3769,7 @@
             <p:cNvPr id="2" name="TextBox 1">
               <a:extLst>
                 <a:ext uri="{FF2B5EF4-FFF2-40B4-BE49-F238E27FC236}">
-                  <a16:creationId xmlns:a16="http://schemas.microsoft.com/office/drawing/2014/main" id="{1E4D379F-0D7A-E10A-C2FD-B3F877B38412}"/>
+                  <a16:creationId xmlns="" xmlns:a16="http://schemas.microsoft.com/office/drawing/2014/main" id="{1E4D379F-0D7A-E10A-C2FD-B3F877B38412}"/>
                 </a:ext>
               </a:extLst>
             </p:cNvPr>
@@ -3755,7 +3817,7 @@
             <p:cNvPr id="3" name="TextBox 2">
               <a:extLst>
                 <a:ext uri="{FF2B5EF4-FFF2-40B4-BE49-F238E27FC236}">
-                  <a16:creationId xmlns:a16="http://schemas.microsoft.com/office/drawing/2014/main" id="{773F2969-8E1F-0403-B6B6-037C4B0D5DB2}"/>
+                  <a16:creationId xmlns="" xmlns:a16="http://schemas.microsoft.com/office/drawing/2014/main" id="{773F2969-8E1F-0403-B6B6-037C4B0D5DB2}"/>
                 </a:ext>
               </a:extLst>
             </p:cNvPr>
@@ -3796,7 +3858,7 @@
             <p:cNvPr id="4" name="직선 연결선 3">
               <a:extLst>
                 <a:ext uri="{FF2B5EF4-FFF2-40B4-BE49-F238E27FC236}">
-                  <a16:creationId xmlns:a16="http://schemas.microsoft.com/office/drawing/2014/main" id="{F9894119-F233-DC33-68F5-7374CF0E569E}"/>
+                  <a16:creationId xmlns="" xmlns:a16="http://schemas.microsoft.com/office/drawing/2014/main" id="{F9894119-F233-DC33-68F5-7374CF0E569E}"/>
                 </a:ext>
               </a:extLst>
             </p:cNvPr>
@@ -3839,7 +3901,7 @@
             <p:cNvPr id="6" name="직선 연결선 5">
               <a:extLst>
                 <a:ext uri="{FF2B5EF4-FFF2-40B4-BE49-F238E27FC236}">
-                  <a16:creationId xmlns:a16="http://schemas.microsoft.com/office/drawing/2014/main" id="{01021128-BA25-D6FF-656C-87D086ADE451}"/>
+                  <a16:creationId xmlns="" xmlns:a16="http://schemas.microsoft.com/office/drawing/2014/main" id="{01021128-BA25-D6FF-656C-87D086ADE451}"/>
                 </a:ext>
               </a:extLst>
             </p:cNvPr>
@@ -3883,7 +3945,7 @@
           <p:cNvPr id="5" name="그림 4">
             <a:extLst>
               <a:ext uri="{FF2B5EF4-FFF2-40B4-BE49-F238E27FC236}">
-                <a16:creationId xmlns:a16="http://schemas.microsoft.com/office/drawing/2014/main" id="{3BA340B9-A32B-C04E-A351-FCDAD5CCCD5B}"/>
+                <a16:creationId xmlns="" xmlns:a16="http://schemas.microsoft.com/office/drawing/2014/main" id="{3BA340B9-A32B-C04E-A351-FCDAD5CCCD5B}"/>
               </a:ext>
             </a:extLst>
           </p:cNvPr>
@@ -3943,7 +4005,7 @@
           <p:cNvPr id="3" name="직선 연결선 2">
             <a:extLst>
               <a:ext uri="{FF2B5EF4-FFF2-40B4-BE49-F238E27FC236}">
-                <a16:creationId xmlns:a16="http://schemas.microsoft.com/office/drawing/2014/main" id="{E3FBA607-E7FC-B7F8-2868-BC448F31F790}"/>
+                <a16:creationId xmlns="" xmlns:a16="http://schemas.microsoft.com/office/drawing/2014/main" id="{E3FBA607-E7FC-B7F8-2868-BC448F31F790}"/>
               </a:ext>
             </a:extLst>
           </p:cNvPr>
@@ -3984,7 +4046,7 @@
           <p:cNvPr id="4" name="TextBox 3">
             <a:extLst>
               <a:ext uri="{FF2B5EF4-FFF2-40B4-BE49-F238E27FC236}">
-                <a16:creationId xmlns:a16="http://schemas.microsoft.com/office/drawing/2014/main" id="{B8326A7D-F71C-ED1C-CBFD-93F557654D2A}"/>
+                <a16:creationId xmlns="" xmlns:a16="http://schemas.microsoft.com/office/drawing/2014/main" id="{B8326A7D-F71C-ED1C-CBFD-93F557654D2A}"/>
               </a:ext>
             </a:extLst>
           </p:cNvPr>
@@ -4032,7 +4094,7 @@
           <p:cNvPr id="5" name="TextBox 4">
             <a:extLst>
               <a:ext uri="{FF2B5EF4-FFF2-40B4-BE49-F238E27FC236}">
-                <a16:creationId xmlns:a16="http://schemas.microsoft.com/office/drawing/2014/main" id="{3251639B-29EB-6E9D-733B-6F917838F571}"/>
+                <a16:creationId xmlns="" xmlns:a16="http://schemas.microsoft.com/office/drawing/2014/main" id="{3251639B-29EB-6E9D-733B-6F917838F571}"/>
               </a:ext>
             </a:extLst>
           </p:cNvPr>
@@ -4073,7 +4135,7 @@
           <p:cNvPr id="6" name="직선 연결선 5">
             <a:extLst>
               <a:ext uri="{FF2B5EF4-FFF2-40B4-BE49-F238E27FC236}">
-                <a16:creationId xmlns:a16="http://schemas.microsoft.com/office/drawing/2014/main" id="{227D3D02-66A7-B0C0-2CF2-A0900C18861C}"/>
+                <a16:creationId xmlns="" xmlns:a16="http://schemas.microsoft.com/office/drawing/2014/main" id="{227D3D02-66A7-B0C0-2CF2-A0900C18861C}"/>
               </a:ext>
             </a:extLst>
           </p:cNvPr>
@@ -4783,7 +4845,7 @@
           <p:cNvPr id="7" name="그림 6">
             <a:extLst>
               <a:ext uri="{FF2B5EF4-FFF2-40B4-BE49-F238E27FC236}">
-                <a16:creationId xmlns:a16="http://schemas.microsoft.com/office/drawing/2014/main" id="{9C8EF4AE-1010-DAE0-7423-14EA69742250}"/>
+                <a16:creationId xmlns="" xmlns:a16="http://schemas.microsoft.com/office/drawing/2014/main" id="{9C8EF4AE-1010-DAE0-7423-14EA69742250}"/>
               </a:ext>
             </a:extLst>
           </p:cNvPr>
@@ -4851,7 +4913,7 @@
           <p:cNvPr id="7" name="그룹 6">
             <a:extLst>
               <a:ext uri="{FF2B5EF4-FFF2-40B4-BE49-F238E27FC236}">
-                <a16:creationId xmlns:a16="http://schemas.microsoft.com/office/drawing/2014/main" id="{ADC16E78-8819-8219-C770-75C3BD1E4D45}"/>
+                <a16:creationId xmlns="" xmlns:a16="http://schemas.microsoft.com/office/drawing/2014/main" id="{ADC16E78-8819-8219-C770-75C3BD1E4D45}"/>
               </a:ext>
             </a:extLst>
           </p:cNvPr>
@@ -4871,7 +4933,7 @@
             <p:cNvPr id="2" name="TextBox 1">
               <a:extLst>
                 <a:ext uri="{FF2B5EF4-FFF2-40B4-BE49-F238E27FC236}">
-                  <a16:creationId xmlns:a16="http://schemas.microsoft.com/office/drawing/2014/main" id="{1E4D379F-0D7A-E10A-C2FD-B3F877B38412}"/>
+                  <a16:creationId xmlns="" xmlns:a16="http://schemas.microsoft.com/office/drawing/2014/main" id="{1E4D379F-0D7A-E10A-C2FD-B3F877B38412}"/>
                 </a:ext>
               </a:extLst>
             </p:cNvPr>
@@ -4950,7 +5012,7 @@
             <p:cNvPr id="3" name="TextBox 2">
               <a:extLst>
                 <a:ext uri="{FF2B5EF4-FFF2-40B4-BE49-F238E27FC236}">
-                  <a16:creationId xmlns:a16="http://schemas.microsoft.com/office/drawing/2014/main" id="{773F2969-8E1F-0403-B6B6-037C4B0D5DB2}"/>
+                  <a16:creationId xmlns="" xmlns:a16="http://schemas.microsoft.com/office/drawing/2014/main" id="{773F2969-8E1F-0403-B6B6-037C4B0D5DB2}"/>
                 </a:ext>
               </a:extLst>
             </p:cNvPr>
@@ -5020,7 +5082,7 @@
             <p:cNvPr id="4" name="직선 연결선 3">
               <a:extLst>
                 <a:ext uri="{FF2B5EF4-FFF2-40B4-BE49-F238E27FC236}">
-                  <a16:creationId xmlns:a16="http://schemas.microsoft.com/office/drawing/2014/main" id="{F9894119-F233-DC33-68F5-7374CF0E569E}"/>
+                  <a16:creationId xmlns="" xmlns:a16="http://schemas.microsoft.com/office/drawing/2014/main" id="{F9894119-F233-DC33-68F5-7374CF0E569E}"/>
                 </a:ext>
               </a:extLst>
             </p:cNvPr>
@@ -5063,7 +5125,7 @@
             <p:cNvPr id="6" name="직선 연결선 5">
               <a:extLst>
                 <a:ext uri="{FF2B5EF4-FFF2-40B4-BE49-F238E27FC236}">
-                  <a16:creationId xmlns:a16="http://schemas.microsoft.com/office/drawing/2014/main" id="{01021128-BA25-D6FF-656C-87D086ADE451}"/>
+                  <a16:creationId xmlns="" xmlns:a16="http://schemas.microsoft.com/office/drawing/2014/main" id="{01021128-BA25-D6FF-656C-87D086ADE451}"/>
                 </a:ext>
               </a:extLst>
             </p:cNvPr>
@@ -5107,7 +5169,7 @@
           <p:cNvPr id="5" name="그림 4">
             <a:extLst>
               <a:ext uri="{FF2B5EF4-FFF2-40B4-BE49-F238E27FC236}">
-                <a16:creationId xmlns:a16="http://schemas.microsoft.com/office/drawing/2014/main" id="{8E87738C-0B92-46EA-7CCB-34391F835775}"/>
+                <a16:creationId xmlns="" xmlns:a16="http://schemas.microsoft.com/office/drawing/2014/main" id="{8E87738C-0B92-46EA-7CCB-34391F835775}"/>
               </a:ext>
             </a:extLst>
           </p:cNvPr>
@@ -5167,7 +5229,7 @@
           <p:cNvPr id="3" name="직선 연결선 2">
             <a:extLst>
               <a:ext uri="{FF2B5EF4-FFF2-40B4-BE49-F238E27FC236}">
-                <a16:creationId xmlns:a16="http://schemas.microsoft.com/office/drawing/2014/main" id="{E3FBA607-E7FC-B7F8-2868-BC448F31F790}"/>
+                <a16:creationId xmlns="" xmlns:a16="http://schemas.microsoft.com/office/drawing/2014/main" id="{E3FBA607-E7FC-B7F8-2868-BC448F31F790}"/>
               </a:ext>
             </a:extLst>
           </p:cNvPr>
@@ -5208,7 +5270,7 @@
           <p:cNvPr id="4" name="TextBox 3">
             <a:extLst>
               <a:ext uri="{FF2B5EF4-FFF2-40B4-BE49-F238E27FC236}">
-                <a16:creationId xmlns:a16="http://schemas.microsoft.com/office/drawing/2014/main" id="{B8326A7D-F71C-ED1C-CBFD-93F557654D2A}"/>
+                <a16:creationId xmlns="" xmlns:a16="http://schemas.microsoft.com/office/drawing/2014/main" id="{B8326A7D-F71C-ED1C-CBFD-93F557654D2A}"/>
               </a:ext>
             </a:extLst>
           </p:cNvPr>
@@ -5256,7 +5318,7 @@
           <p:cNvPr id="5" name="TextBox 4">
             <a:extLst>
               <a:ext uri="{FF2B5EF4-FFF2-40B4-BE49-F238E27FC236}">
-                <a16:creationId xmlns:a16="http://schemas.microsoft.com/office/drawing/2014/main" id="{3251639B-29EB-6E9D-733B-6F917838F571}"/>
+                <a16:creationId xmlns="" xmlns:a16="http://schemas.microsoft.com/office/drawing/2014/main" id="{3251639B-29EB-6E9D-733B-6F917838F571}"/>
               </a:ext>
             </a:extLst>
           </p:cNvPr>
@@ -5307,7 +5369,7 @@
           <p:cNvPr id="6" name="직선 연결선 5">
             <a:extLst>
               <a:ext uri="{FF2B5EF4-FFF2-40B4-BE49-F238E27FC236}">
-                <a16:creationId xmlns:a16="http://schemas.microsoft.com/office/drawing/2014/main" id="{227D3D02-66A7-B0C0-2CF2-A0900C18861C}"/>
+                <a16:creationId xmlns="" xmlns:a16="http://schemas.microsoft.com/office/drawing/2014/main" id="{227D3D02-66A7-B0C0-2CF2-A0900C18861C}"/>
               </a:ext>
             </a:extLst>
           </p:cNvPr>
@@ -5453,7 +5515,7 @@
           <p:cNvPr id="2" name="그림 1">
             <a:extLst>
               <a:ext uri="{FF2B5EF4-FFF2-40B4-BE49-F238E27FC236}">
-                <a16:creationId xmlns:a16="http://schemas.microsoft.com/office/drawing/2014/main" id="{60694FDC-0BA6-42DE-82AA-C68BA3F39493}"/>
+                <a16:creationId xmlns="" xmlns:a16="http://schemas.microsoft.com/office/drawing/2014/main" id="{60694FDC-0BA6-42DE-82AA-C68BA3F39493}"/>
               </a:ext>
             </a:extLst>
           </p:cNvPr>
@@ -5483,7 +5545,7 @@
           <p:cNvPr id="7" name="TextBox 6">
             <a:extLst>
               <a:ext uri="{FF2B5EF4-FFF2-40B4-BE49-F238E27FC236}">
-                <a16:creationId xmlns:a16="http://schemas.microsoft.com/office/drawing/2014/main" id="{67E31634-49CB-8720-9E94-7160E8C8E5DE}"/>
+                <a16:creationId xmlns="" xmlns:a16="http://schemas.microsoft.com/office/drawing/2014/main" id="{67E31634-49CB-8720-9E94-7160E8C8E5DE}"/>
               </a:ext>
             </a:extLst>
           </p:cNvPr>
@@ -5722,7 +5784,7 @@
   <a:extraClrSchemeLst/>
   <a:extLst>
     <a:ext uri="{05A4C25C-085E-4340-85A3-A5531E510DB2}">
-      <thm15:themeFamily xmlns:thm15="http://schemas.microsoft.com/office/thememl/2012/main" name="Office Theme" id="{62F939B6-93AF-4DB8-9C6B-D6C7DFDC589F}" vid="{4A3C46E8-61CC-4603-A589-7422A47A8E4A}"/>
+      <thm15:themeFamily xmlns="" xmlns:thm15="http://schemas.microsoft.com/office/thememl/2012/main" name="Office Theme" id="{62F939B6-93AF-4DB8-9C6B-D6C7DFDC589F}" vid="{4A3C46E8-61CC-4603-A589-7422A47A8E4A}"/>
     </a:ext>
   </a:extLst>
 </a:theme>
